--- a/presentations/java_multiapi_gql_codegen.pptx
+++ b/presentations/java_multiapi_gql_codegen.pptx
@@ -5,26 +5,25 @@
     <p:sldMasterId id="2147483662" r:id="rId1"/>
   </p:sldMasterIdLst>
   <p:notesMasterIdLst>
-    <p:notesMasterId r:id="rId16"/>
+    <p:notesMasterId r:id="rId15"/>
   </p:notesMasterIdLst>
   <p:handoutMasterIdLst>
-    <p:handoutMasterId r:id="rId17"/>
+    <p:handoutMasterId r:id="rId16"/>
   </p:handoutMasterIdLst>
   <p:sldIdLst>
     <p:sldId id="299" r:id="rId2"/>
-    <p:sldId id="300" r:id="rId3"/>
-    <p:sldId id="341" r:id="rId4"/>
-    <p:sldId id="342" r:id="rId5"/>
-    <p:sldId id="343" r:id="rId6"/>
-    <p:sldId id="344" r:id="rId7"/>
-    <p:sldId id="347" r:id="rId8"/>
-    <p:sldId id="345" r:id="rId9"/>
-    <p:sldId id="346" r:id="rId10"/>
-    <p:sldId id="348" r:id="rId11"/>
-    <p:sldId id="349" r:id="rId12"/>
-    <p:sldId id="350" r:id="rId13"/>
-    <p:sldId id="352" r:id="rId14"/>
-    <p:sldId id="353" r:id="rId15"/>
+    <p:sldId id="349" r:id="rId3"/>
+    <p:sldId id="350" r:id="rId4"/>
+    <p:sldId id="351" r:id="rId5"/>
+    <p:sldId id="300" r:id="rId6"/>
+    <p:sldId id="341" r:id="rId7"/>
+    <p:sldId id="342" r:id="rId8"/>
+    <p:sldId id="343" r:id="rId9"/>
+    <p:sldId id="344" r:id="rId10"/>
+    <p:sldId id="347" r:id="rId11"/>
+    <p:sldId id="345" r:id="rId12"/>
+    <p:sldId id="346" r:id="rId13"/>
+    <p:sldId id="348" r:id="rId14"/>
   </p:sldIdLst>
   <p:sldSz cx="12192000" cy="6858000"/>
   <p:notesSz cx="6858000" cy="9144000"/>
@@ -257,7 +256,7 @@
           <a:p>
             <a:fld id="{D426F103-508E-467C-AF53-B35FDC2F36C0}" type="datetimeFigureOut">
               <a:rPr lang="en-US" smtClean="0"/>
-              <a:t>11/14/2019</a:t>
+              <a:t>11/18/2019</a:t>
             </a:fld>
             <a:endParaRPr lang="en-US"/>
           </a:p>
@@ -434,7 +433,7 @@
           <a:p>
             <a:fld id="{A90D6CB4-478E-4505-A839-A5849C2F988C}" type="datetimeFigureOut">
               <a:rPr lang="en-US" smtClean="0"/>
-              <a:t>11/14/2019</a:t>
+              <a:t>11/18/2019</a:t>
             </a:fld>
             <a:endParaRPr lang="en-US"/>
           </a:p>
@@ -745,23 +744,90 @@
           <a:bodyPr/>
           <a:lstStyle/>
           <a:p>
-            <a:pPr marL="0" marR="0" indent="0" algn="l" defTabSz="914400" rtl="0" eaLnBrk="1" fontAlgn="auto" latinLnBrk="0" hangingPunct="1">
-              <a:lnSpc>
-                <a:spcPct val="100000"/>
-              </a:lnSpc>
-              <a:spcBef>
-                <a:spcPts val="0"/>
-              </a:spcBef>
-              <a:spcAft>
-                <a:spcPts val="0"/>
-              </a:spcAft>
-              <a:buClrTx/>
-              <a:buSzTx/>
-              <a:buFontTx/>
-              <a:buNone/>
-              <a:tabLst/>
-              <a:defRPr/>
-            </a:pPr>
+            <a:endParaRPr lang="en-US" dirty="0"/>
+          </a:p>
+        </p:txBody>
+      </p:sp>
+      <p:sp>
+        <p:nvSpPr>
+          <p:cNvPr id="4" name="Slide Number Placeholder 3"/>
+          <p:cNvSpPr>
+            <a:spLocks noGrp="1"/>
+          </p:cNvSpPr>
+          <p:nvPr>
+            <p:ph type="sldNum" sz="quarter" idx="10"/>
+          </p:nvPr>
+        </p:nvSpPr>
+        <p:spPr/>
+        <p:txBody>
+          <a:bodyPr/>
+          <a:lstStyle/>
+          <a:p>
+            <a:fld id="{FEC4ED2C-DC4C-4AFD-8B22-623D9727471E}" type="slidenum">
+              <a:rPr lang="en-US" smtClean="0"/>
+              <a:t>2</a:t>
+            </a:fld>
+            <a:endParaRPr lang="en-US"/>
+          </a:p>
+        </p:txBody>
+      </p:sp>
+    </p:spTree>
+    <p:extLst>
+      <p:ext uri="{BB962C8B-B14F-4D97-AF65-F5344CB8AC3E}">
+        <p14:creationId xmlns:p14="http://schemas.microsoft.com/office/powerpoint/2010/main" val="3154540270"/>
+      </p:ext>
+    </p:extLst>
+  </p:cSld>
+  <p:clrMapOvr>
+    <a:masterClrMapping/>
+  </p:clrMapOvr>
+</p:notes>
+</file>
+
+<file path=ppt/notesSlides/notesSlide10.xml><?xml version="1.0" encoding="utf-8"?>
+<p:notes xmlns:a="http://schemas.openxmlformats.org/drawingml/2006/main" xmlns:r="http://schemas.openxmlformats.org/officeDocument/2006/relationships" xmlns:p="http://schemas.openxmlformats.org/presentationml/2006/main">
+  <p:cSld>
+    <p:spTree>
+      <p:nvGrpSpPr>
+        <p:cNvPr id="1" name=""/>
+        <p:cNvGrpSpPr/>
+        <p:nvPr/>
+      </p:nvGrpSpPr>
+      <p:grpSpPr>
+        <a:xfrm>
+          <a:off x="0" y="0"/>
+          <a:ext cx="0" cy="0"/>
+          <a:chOff x="0" y="0"/>
+          <a:chExt cx="0" cy="0"/>
+        </a:xfrm>
+      </p:grpSpPr>
+      <p:sp>
+        <p:nvSpPr>
+          <p:cNvPr id="2" name="Slide Image Placeholder 1"/>
+          <p:cNvSpPr>
+            <a:spLocks noGrp="1" noRot="1" noChangeAspect="1"/>
+          </p:cNvSpPr>
+          <p:nvPr>
+            <p:ph type="sldImg"/>
+          </p:nvPr>
+        </p:nvSpPr>
+        <p:spPr/>
+      </p:sp>
+      <p:sp>
+        <p:nvSpPr>
+          <p:cNvPr id="3" name="Notes Placeholder 2"/>
+          <p:cNvSpPr>
+            <a:spLocks noGrp="1"/>
+          </p:cNvSpPr>
+          <p:nvPr>
+            <p:ph type="body" idx="1"/>
+          </p:nvPr>
+        </p:nvSpPr>
+        <p:spPr/>
+        <p:txBody>
+          <a:bodyPr/>
+          <a:lstStyle/>
+          <a:p>
             <a:r>
               <a:rPr lang="en-US" sz="1200" b="0" i="0" kern="1200" dirty="0" smtClean="0">
                 <a:solidFill>
@@ -772,127 +838,11 @@
                 <a:ea typeface="+mn-ea"/>
                 <a:cs typeface="+mn-cs"/>
               </a:rPr>
-              <a:t>1. Describe what’s possible with a type system</a:t>
-            </a:r>
-          </a:p>
-          <a:p>
-            <a:pPr marL="0" marR="0" indent="0" algn="l" defTabSz="914400" rtl="0" eaLnBrk="1" fontAlgn="auto" latinLnBrk="0" hangingPunct="1">
-              <a:lnSpc>
-                <a:spcPct val="100000"/>
-              </a:lnSpc>
-              <a:spcBef>
-                <a:spcPts val="0"/>
-              </a:spcBef>
-              <a:spcAft>
-                <a:spcPts val="0"/>
-              </a:spcAft>
-              <a:buClrTx/>
-              <a:buSzTx/>
-              <a:buFontTx/>
-              <a:buNone/>
-              <a:tabLst/>
-              <a:defRPr/>
-            </a:pPr>
-            <a:r>
-              <a:rPr lang="en-US" sz="1200" b="0" i="0" kern="1200" dirty="0" smtClean="0">
-                <a:solidFill>
-                  <a:schemeClr val="tx1"/>
-                </a:solidFill>
-                <a:effectLst/>
-                <a:latin typeface="+mn-lt"/>
-                <a:ea typeface="+mn-ea"/>
-                <a:cs typeface="+mn-cs"/>
-              </a:rPr>
-              <a:t>2. Ask for what you need, get exactly that </a:t>
-            </a:r>
-          </a:p>
-          <a:p>
-            <a:pPr marL="0" marR="0" indent="0" algn="l" defTabSz="914400" rtl="0" eaLnBrk="1" fontAlgn="auto" latinLnBrk="0" hangingPunct="1">
-              <a:lnSpc>
-                <a:spcPct val="100000"/>
-              </a:lnSpc>
-              <a:spcBef>
-                <a:spcPts val="0"/>
-              </a:spcBef>
-              <a:spcAft>
-                <a:spcPts val="0"/>
-              </a:spcAft>
-              <a:buClrTx/>
-              <a:buSzTx/>
-              <a:buFontTx/>
-              <a:buNone/>
-              <a:tabLst/>
-              <a:defRPr/>
-            </a:pPr>
-            <a:r>
-              <a:rPr lang="en-US" sz="1200" b="0" i="0" kern="1200" dirty="0" smtClean="0">
-                <a:solidFill>
-                  <a:schemeClr val="tx1"/>
-                </a:solidFill>
-                <a:effectLst/>
-                <a:latin typeface="+mn-lt"/>
-                <a:ea typeface="+mn-ea"/>
-                <a:cs typeface="+mn-cs"/>
-              </a:rPr>
-              <a:t>3. Get many resources in a single request - 5. Bring your own data and code</a:t>
-            </a:r>
-          </a:p>
-          <a:p>
-            <a:pPr marL="0" marR="0" indent="0" algn="l" defTabSz="914400" rtl="0" eaLnBrk="1" fontAlgn="auto" latinLnBrk="0" hangingPunct="1">
-              <a:lnSpc>
-                <a:spcPct val="100000"/>
-              </a:lnSpc>
-              <a:spcBef>
-                <a:spcPts val="0"/>
-              </a:spcBef>
-              <a:spcAft>
-                <a:spcPts val="0"/>
-              </a:spcAft>
-              <a:buClrTx/>
-              <a:buSzTx/>
-              <a:buFontTx/>
-              <a:buNone/>
-              <a:tabLst/>
-              <a:defRPr/>
-            </a:pPr>
-            <a:r>
-              <a:rPr lang="en-US" sz="1200" b="0" i="0" kern="1200" dirty="0" smtClean="0">
-                <a:solidFill>
-                  <a:schemeClr val="tx1"/>
-                </a:solidFill>
-                <a:effectLst/>
-                <a:latin typeface="+mn-lt"/>
-                <a:ea typeface="+mn-ea"/>
-                <a:cs typeface="+mn-cs"/>
-              </a:rPr>
-              <a:t>4. Evolve your API without versions</a:t>
-            </a:r>
-          </a:p>
-          <a:p>
-            <a:pPr marL="0" marR="0" indent="0" algn="l" defTabSz="914400" rtl="0" eaLnBrk="1" fontAlgn="auto" latinLnBrk="0" hangingPunct="1">
-              <a:lnSpc>
-                <a:spcPct val="100000"/>
-              </a:lnSpc>
-              <a:spcBef>
-                <a:spcPts val="0"/>
-              </a:spcBef>
-              <a:spcAft>
-                <a:spcPts val="0"/>
-              </a:spcAft>
-              <a:buClrTx/>
-              <a:buSzTx/>
-              <a:buFontTx/>
-              <a:buNone/>
-              <a:tabLst/>
-              <a:defRPr/>
-            </a:pPr>
-            <a:r>
-              <a:rPr lang="en-US" dirty="0" smtClean="0">
-                <a:hlinkClick r:id="rId3"/>
-              </a:rPr>
-              <a:t>https://graphql.org/</a:t>
-            </a:r>
-            <a:endParaRPr lang="en-US" sz="1200" b="0" i="0" kern="1200" dirty="0" smtClean="0">
+              <a:t>The Knot. "All API consumers are tied to a single version of the API, when that API changes, all consumers have to change, in essence creating a massive ripple effect across the entire set of consumers / ecosystem.“</a:t>
+            </a:r>
+          </a:p>
+          <a:p>
+            <a:endParaRPr lang="en-US" sz="1200" b="1" i="0" kern="1200" dirty="0" smtClean="0">
               <a:solidFill>
                 <a:schemeClr val="tx1"/>
               </a:solidFill>
@@ -903,17 +853,58 @@
             </a:endParaRPr>
           </a:p>
           <a:p>
-            <a:endParaRPr lang="en-US" dirty="0" smtClean="0">
-              <a:hlinkClick r:id="rId4"/>
-            </a:endParaRPr>
-          </a:p>
-          <a:p>
-            <a:r>
-              <a:rPr lang="en-US" dirty="0" smtClean="0">
-                <a:hlinkClick r:id="rId4"/>
-              </a:rPr>
-              <a:t>https://topdev.vn/blog/graphql/</a:t>
-            </a:r>
+            <a:r>
+              <a:rPr lang="en-US" sz="1200" b="1" i="0" kern="1200" dirty="0" smtClean="0">
+                <a:solidFill>
+                  <a:schemeClr val="tx1"/>
+                </a:solidFill>
+                <a:effectLst/>
+                <a:latin typeface="+mn-lt"/>
+                <a:ea typeface="+mn-ea"/>
+                <a:cs typeface="+mn-cs"/>
+              </a:rPr>
+              <a:t>APIs can be among your greatest assets or liabilities.</a:t>
+            </a:r>
+            <a:r>
+              <a:rPr lang="en-US" sz="1200" b="0" i="0" kern="1200" dirty="0" smtClean="0">
+                <a:solidFill>
+                  <a:schemeClr val="tx1"/>
+                </a:solidFill>
+                <a:effectLst/>
+                <a:latin typeface="+mn-lt"/>
+                <a:ea typeface="+mn-ea"/>
+                <a:cs typeface="+mn-cs"/>
+              </a:rPr>
+              <a:t> Good APIs create long-term customers; bad ones create long-term support nightmares.</a:t>
+            </a:r>
+          </a:p>
+          <a:p>
+            <a:r>
+              <a:rPr lang="en-US" sz="1200" b="1" i="0" kern="1200" dirty="0" smtClean="0">
+                <a:solidFill>
+                  <a:schemeClr val="tx1"/>
+                </a:solidFill>
+                <a:effectLst/>
+                <a:latin typeface="+mn-lt"/>
+                <a:ea typeface="+mn-ea"/>
+                <a:cs typeface="+mn-cs"/>
+              </a:rPr>
+              <a:t>Public APIs, like diamonds, are forever.</a:t>
+            </a:r>
+            <a:r>
+              <a:rPr lang="en-US" sz="1200" b="0" i="0" kern="1200" dirty="0" smtClean="0">
+                <a:solidFill>
+                  <a:schemeClr val="tx1"/>
+                </a:solidFill>
+                <a:effectLst/>
+                <a:latin typeface="+mn-lt"/>
+                <a:ea typeface="+mn-ea"/>
+                <a:cs typeface="+mn-cs"/>
+              </a:rPr>
+              <a:t> You have one chance to get it right so give it your best.</a:t>
+            </a:r>
+          </a:p>
+          <a:p>
             <a:endParaRPr lang="en-US" dirty="0"/>
           </a:p>
         </p:txBody>
@@ -935,7 +926,7 @@
           <a:p>
             <a:fld id="{FEC4ED2C-DC4C-4AFD-8B22-623D9727471E}" type="slidenum">
               <a:rPr lang="en-US" smtClean="0"/>
-              <a:t>2</a:t>
+              <a:t>13</a:t>
             </a:fld>
             <a:endParaRPr lang="en-US"/>
           </a:p>
@@ -944,7 +935,7 @@
     </p:spTree>
     <p:extLst>
       <p:ext uri="{BB962C8B-B14F-4D97-AF65-F5344CB8AC3E}">
-        <p14:creationId xmlns:p14="http://schemas.microsoft.com/office/powerpoint/2010/main" val="1816630255"/>
+        <p14:creationId xmlns:p14="http://schemas.microsoft.com/office/powerpoint/2010/main" val="690593739"/>
       </p:ext>
     </p:extLst>
   </p:cSld>
@@ -998,116 +989,6 @@
           <a:bodyPr/>
           <a:lstStyle/>
           <a:p>
-            <a:r>
-              <a:rPr lang="en-US" sz="1200" b="1" i="0" kern="1200" dirty="0" smtClean="0">
-                <a:solidFill>
-                  <a:schemeClr val="tx1"/>
-                </a:solidFill>
-                <a:effectLst/>
-                <a:latin typeface="+mn-lt"/>
-                <a:ea typeface="+mn-ea"/>
-                <a:cs typeface="+mn-cs"/>
-              </a:rPr>
-              <a:t>schema</a:t>
-            </a:r>
-            <a:r>
-              <a:rPr lang="en-US" sz="1200" b="0" i="0" kern="1200" dirty="0" smtClean="0">
-                <a:solidFill>
-                  <a:schemeClr val="tx1"/>
-                </a:solidFill>
-                <a:effectLst/>
-                <a:latin typeface="+mn-lt"/>
-                <a:ea typeface="+mn-ea"/>
-                <a:cs typeface="+mn-cs"/>
-              </a:rPr>
-              <a:t>, </a:t>
-            </a:r>
-            <a:r>
-              <a:rPr lang="en-US" sz="1200" b="1" i="0" kern="1200" dirty="0" smtClean="0">
-                <a:solidFill>
-                  <a:schemeClr val="tx1"/>
-                </a:solidFill>
-                <a:effectLst/>
-                <a:latin typeface="+mn-lt"/>
-                <a:ea typeface="+mn-ea"/>
-                <a:cs typeface="+mn-cs"/>
-              </a:rPr>
-              <a:t>queries</a:t>
-            </a:r>
-            <a:r>
-              <a:rPr lang="en-US" sz="1200" b="0" i="0" kern="1200" dirty="0" smtClean="0">
-                <a:solidFill>
-                  <a:schemeClr val="tx1"/>
-                </a:solidFill>
-                <a:effectLst/>
-                <a:latin typeface="+mn-lt"/>
-                <a:ea typeface="+mn-ea"/>
-                <a:cs typeface="+mn-cs"/>
-              </a:rPr>
-              <a:t>, </a:t>
-            </a:r>
-            <a:r>
-              <a:rPr lang="en-US" sz="1200" b="0" i="0" kern="1200" dirty="0" err="1" smtClean="0">
-                <a:solidFill>
-                  <a:schemeClr val="tx1"/>
-                </a:solidFill>
-                <a:effectLst/>
-                <a:latin typeface="+mn-lt"/>
-                <a:ea typeface="+mn-ea"/>
-                <a:cs typeface="+mn-cs"/>
-              </a:rPr>
-              <a:t>và</a:t>
-            </a:r>
-            <a:r>
-              <a:rPr lang="en-US" sz="1200" b="0" i="0" kern="1200" dirty="0" smtClean="0">
-                <a:solidFill>
-                  <a:schemeClr val="tx1"/>
-                </a:solidFill>
-                <a:effectLst/>
-                <a:latin typeface="+mn-lt"/>
-                <a:ea typeface="+mn-ea"/>
-                <a:cs typeface="+mn-cs"/>
-              </a:rPr>
-              <a:t> </a:t>
-            </a:r>
-            <a:r>
-              <a:rPr lang="en-US" sz="1200" b="1" i="0" kern="1200" dirty="0" smtClean="0">
-                <a:solidFill>
-                  <a:schemeClr val="tx1"/>
-                </a:solidFill>
-                <a:effectLst/>
-                <a:latin typeface="+mn-lt"/>
-                <a:ea typeface="+mn-ea"/>
-                <a:cs typeface="+mn-cs"/>
-              </a:rPr>
-              <a:t>resolvers</a:t>
-            </a:r>
-          </a:p>
-          <a:p>
-            <a:r>
-              <a:rPr lang="vi-VN" sz="1200" b="1" i="0" kern="1200" dirty="0" smtClean="0">
-                <a:solidFill>
-                  <a:schemeClr val="tx1"/>
-                </a:solidFill>
-                <a:effectLst/>
-                <a:latin typeface="+mn-lt"/>
-                <a:ea typeface="+mn-ea"/>
-                <a:cs typeface="+mn-cs"/>
-              </a:rPr>
-              <a:t>Resolver</a:t>
-            </a:r>
-            <a:r>
-              <a:rPr lang="vi-VN" sz="1200" b="0" i="0" kern="1200" dirty="0" smtClean="0">
-                <a:solidFill>
-                  <a:schemeClr val="tx1"/>
-                </a:solidFill>
-                <a:effectLst/>
-                <a:latin typeface="+mn-lt"/>
-                <a:ea typeface="+mn-ea"/>
-                <a:cs typeface="+mn-cs"/>
-              </a:rPr>
-              <a:t> nói cho GraphQL biết nơi và cách thức để lấy data cần thiết cho field của query mà bạn yêu cầu</a:t>
-            </a:r>
             <a:endParaRPr lang="en-US" dirty="0"/>
           </a:p>
         </p:txBody>
@@ -1129,7 +1010,7 @@
           <a:p>
             <a:fld id="{FEC4ED2C-DC4C-4AFD-8B22-623D9727471E}" type="slidenum">
               <a:rPr lang="en-US" smtClean="0"/>
-              <a:t>3</a:t>
+              <a:t>4</a:t>
             </a:fld>
             <a:endParaRPr lang="en-US"/>
           </a:p>
@@ -1138,7 +1019,7 @@
     </p:spTree>
     <p:extLst>
       <p:ext uri="{BB962C8B-B14F-4D97-AF65-F5344CB8AC3E}">
-        <p14:creationId xmlns:p14="http://schemas.microsoft.com/office/powerpoint/2010/main" val="2575923714"/>
+        <p14:creationId xmlns:p14="http://schemas.microsoft.com/office/powerpoint/2010/main" val="3035067428"/>
       </p:ext>
     </p:extLst>
   </p:cSld>
@@ -1192,6 +1073,283 @@
           <a:bodyPr/>
           <a:lstStyle/>
           <a:p>
+            <a:pPr marL="0" marR="0" indent="0" algn="l" defTabSz="914400" rtl="0" eaLnBrk="1" fontAlgn="auto" latinLnBrk="0" hangingPunct="1">
+              <a:lnSpc>
+                <a:spcPct val="100000"/>
+              </a:lnSpc>
+              <a:spcBef>
+                <a:spcPts val="0"/>
+              </a:spcBef>
+              <a:spcAft>
+                <a:spcPts val="0"/>
+              </a:spcAft>
+              <a:buClrTx/>
+              <a:buSzTx/>
+              <a:buFontTx/>
+              <a:buNone/>
+              <a:tabLst/>
+              <a:defRPr/>
+            </a:pPr>
+            <a:r>
+              <a:rPr lang="en-US" sz="1200" b="0" i="0" kern="1200" dirty="0" err="1" smtClean="0">
+                <a:solidFill>
+                  <a:schemeClr val="tx1"/>
+                </a:solidFill>
+                <a:effectLst/>
+                <a:latin typeface="+mn-lt"/>
+                <a:ea typeface="+mn-ea"/>
+                <a:cs typeface="+mn-cs"/>
+              </a:rPr>
+              <a:t>GraphQL</a:t>
+            </a:r>
+            <a:r>
+              <a:rPr lang="en-US" sz="1200" b="0" i="0" kern="1200" dirty="0" smtClean="0">
+                <a:solidFill>
+                  <a:schemeClr val="tx1"/>
+                </a:solidFill>
+                <a:effectLst/>
+                <a:latin typeface="+mn-lt"/>
+                <a:ea typeface="+mn-ea"/>
+                <a:cs typeface="+mn-cs"/>
+              </a:rPr>
+              <a:t> is a very exciting new technology that can potentially revolutionize the way that Web APIs are developed.</a:t>
+            </a:r>
+          </a:p>
+          <a:p>
+            <a:pPr marL="0" marR="0" indent="0" algn="l" defTabSz="914400" rtl="0" eaLnBrk="1" fontAlgn="auto" latinLnBrk="0" hangingPunct="1">
+              <a:lnSpc>
+                <a:spcPct val="100000"/>
+              </a:lnSpc>
+              <a:spcBef>
+                <a:spcPts val="0"/>
+              </a:spcBef>
+              <a:spcAft>
+                <a:spcPts val="0"/>
+              </a:spcAft>
+              <a:buClrTx/>
+              <a:buSzTx/>
+              <a:buFontTx/>
+              <a:buNone/>
+              <a:tabLst/>
+              <a:defRPr/>
+            </a:pPr>
+            <a:r>
+              <a:rPr lang="en-US" sz="1200" b="0" i="0" kern="1200" dirty="0" smtClean="0">
+                <a:solidFill>
+                  <a:schemeClr val="tx1"/>
+                </a:solidFill>
+                <a:effectLst/>
+                <a:latin typeface="+mn-lt"/>
+                <a:ea typeface="+mn-ea"/>
+                <a:cs typeface="+mn-cs"/>
+              </a:rPr>
+              <a:t>1. Describe what’s possible with a type system</a:t>
+            </a:r>
+          </a:p>
+          <a:p>
+            <a:pPr marL="0" marR="0" indent="0" algn="l" defTabSz="914400" rtl="0" eaLnBrk="1" fontAlgn="auto" latinLnBrk="0" hangingPunct="1">
+              <a:lnSpc>
+                <a:spcPct val="100000"/>
+              </a:lnSpc>
+              <a:spcBef>
+                <a:spcPts val="0"/>
+              </a:spcBef>
+              <a:spcAft>
+                <a:spcPts val="0"/>
+              </a:spcAft>
+              <a:buClrTx/>
+              <a:buSzTx/>
+              <a:buFontTx/>
+              <a:buNone/>
+              <a:tabLst/>
+              <a:defRPr/>
+            </a:pPr>
+            <a:r>
+              <a:rPr lang="en-US" sz="1200" b="0" i="0" kern="1200" dirty="0" smtClean="0">
+                <a:solidFill>
+                  <a:schemeClr val="tx1"/>
+                </a:solidFill>
+                <a:effectLst/>
+                <a:latin typeface="+mn-lt"/>
+                <a:ea typeface="+mn-ea"/>
+                <a:cs typeface="+mn-cs"/>
+              </a:rPr>
+              <a:t>2. Ask for what you need, get exactly that (REST</a:t>
+            </a:r>
+            <a:r>
+              <a:rPr lang="en-US" sz="1200" b="0" i="0" kern="1200" baseline="0" dirty="0" smtClean="0">
+                <a:solidFill>
+                  <a:schemeClr val="tx1"/>
+                </a:solidFill>
+                <a:effectLst/>
+                <a:latin typeface="+mn-lt"/>
+                <a:ea typeface="+mn-ea"/>
+                <a:cs typeface="+mn-cs"/>
+              </a:rPr>
+              <a:t> API can’t not)</a:t>
+            </a:r>
+            <a:endParaRPr lang="en-US" sz="1200" b="0" i="0" kern="1200" dirty="0" smtClean="0">
+              <a:solidFill>
+                <a:schemeClr val="tx1"/>
+              </a:solidFill>
+              <a:effectLst/>
+              <a:latin typeface="+mn-lt"/>
+              <a:ea typeface="+mn-ea"/>
+              <a:cs typeface="+mn-cs"/>
+            </a:endParaRPr>
+          </a:p>
+          <a:p>
+            <a:pPr marL="0" marR="0" indent="0" algn="l" defTabSz="914400" rtl="0" eaLnBrk="1" fontAlgn="auto" latinLnBrk="0" hangingPunct="1">
+              <a:lnSpc>
+                <a:spcPct val="100000"/>
+              </a:lnSpc>
+              <a:spcBef>
+                <a:spcPts val="0"/>
+              </a:spcBef>
+              <a:spcAft>
+                <a:spcPts val="0"/>
+              </a:spcAft>
+              <a:buClrTx/>
+              <a:buSzTx/>
+              <a:buFontTx/>
+              <a:buNone/>
+              <a:tabLst/>
+              <a:defRPr/>
+            </a:pPr>
+            <a:r>
+              <a:rPr lang="en-US" sz="1200" b="0" i="0" kern="1200" dirty="0" smtClean="0">
+                <a:solidFill>
+                  <a:schemeClr val="tx1"/>
+                </a:solidFill>
+                <a:effectLst/>
+                <a:latin typeface="+mn-lt"/>
+                <a:ea typeface="+mn-ea"/>
+                <a:cs typeface="+mn-cs"/>
+              </a:rPr>
+              <a:t>3. Get many resources in a single request - 5. Bring your own data and code</a:t>
+            </a:r>
+          </a:p>
+          <a:p>
+            <a:pPr marL="0" marR="0" indent="0" algn="l" defTabSz="914400" rtl="0" eaLnBrk="1" fontAlgn="auto" latinLnBrk="0" hangingPunct="1">
+              <a:lnSpc>
+                <a:spcPct val="100000"/>
+              </a:lnSpc>
+              <a:spcBef>
+                <a:spcPts val="0"/>
+              </a:spcBef>
+              <a:spcAft>
+                <a:spcPts val="0"/>
+              </a:spcAft>
+              <a:buClrTx/>
+              <a:buSzTx/>
+              <a:buFontTx/>
+              <a:buNone/>
+              <a:tabLst/>
+              <a:defRPr/>
+            </a:pPr>
+            <a:r>
+              <a:rPr lang="en-US" sz="1200" b="0" i="0" kern="1200" dirty="0" smtClean="0">
+                <a:solidFill>
+                  <a:schemeClr val="tx1"/>
+                </a:solidFill>
+                <a:effectLst/>
+                <a:latin typeface="+mn-lt"/>
+                <a:ea typeface="+mn-ea"/>
+                <a:cs typeface="+mn-cs"/>
+              </a:rPr>
+              <a:t>4. Evolve your API without versions</a:t>
+            </a:r>
+          </a:p>
+          <a:p>
+            <a:pPr marL="0" marR="0" indent="0" algn="l" defTabSz="914400" rtl="0" eaLnBrk="1" fontAlgn="auto" latinLnBrk="0" hangingPunct="1">
+              <a:lnSpc>
+                <a:spcPct val="100000"/>
+              </a:lnSpc>
+              <a:spcBef>
+                <a:spcPts val="0"/>
+              </a:spcBef>
+              <a:spcAft>
+                <a:spcPts val="0"/>
+              </a:spcAft>
+              <a:buClrTx/>
+              <a:buSzTx/>
+              <a:buFontTx/>
+              <a:buNone/>
+              <a:tabLst/>
+              <a:defRPr/>
+            </a:pPr>
+            <a:endParaRPr lang="en-US" sz="1200" b="0" i="0" kern="1200" dirty="0" smtClean="0">
+              <a:solidFill>
+                <a:schemeClr val="tx1"/>
+              </a:solidFill>
+              <a:effectLst/>
+              <a:latin typeface="+mn-lt"/>
+              <a:ea typeface="+mn-ea"/>
+              <a:cs typeface="+mn-cs"/>
+            </a:endParaRPr>
+          </a:p>
+          <a:p>
+            <a:pPr marL="0" marR="0" indent="0" algn="l" defTabSz="914400" rtl="0" eaLnBrk="1" fontAlgn="auto" latinLnBrk="0" hangingPunct="1">
+              <a:lnSpc>
+                <a:spcPct val="100000"/>
+              </a:lnSpc>
+              <a:spcBef>
+                <a:spcPts val="0"/>
+              </a:spcBef>
+              <a:spcAft>
+                <a:spcPts val="0"/>
+              </a:spcAft>
+              <a:buClrTx/>
+              <a:buSzTx/>
+              <a:buFontTx/>
+              <a:buNone/>
+              <a:tabLst/>
+              <a:defRPr/>
+            </a:pPr>
+            <a:r>
+              <a:rPr lang="en-US" sz="1200" b="0" i="0" kern="1200" dirty="0" smtClean="0">
+                <a:solidFill>
+                  <a:schemeClr val="tx1"/>
+                </a:solidFill>
+                <a:effectLst/>
+                <a:latin typeface="+mn-lt"/>
+                <a:ea typeface="+mn-ea"/>
+                <a:cs typeface="+mn-cs"/>
+              </a:rPr>
+              <a:t> </a:t>
+            </a:r>
+            <a:r>
+              <a:rPr lang="en-US" dirty="0" smtClean="0">
+                <a:hlinkClick r:id="rId3"/>
+              </a:rPr>
+              <a:t>https://graphql.org/</a:t>
+            </a:r>
+            <a:endParaRPr lang="en-US" sz="1200" b="0" i="0" kern="1200" dirty="0" smtClean="0">
+              <a:solidFill>
+                <a:schemeClr val="tx1"/>
+              </a:solidFill>
+              <a:effectLst/>
+              <a:latin typeface="+mn-lt"/>
+              <a:ea typeface="+mn-ea"/>
+              <a:cs typeface="+mn-cs"/>
+            </a:endParaRPr>
+          </a:p>
+          <a:p>
+            <a:r>
+              <a:rPr lang="en-US" dirty="0" smtClean="0">
+                <a:hlinkClick r:id="rId4"/>
+              </a:rPr>
+              <a:t>https://topdev.vn/blog/graphql/</a:t>
+            </a:r>
+            <a:endParaRPr lang="en-US" dirty="0" smtClean="0"/>
+          </a:p>
+          <a:p>
+            <a:r>
+              <a:rPr lang="en-US" dirty="0" smtClean="0">
+                <a:hlinkClick r:id="rId5"/>
+              </a:rPr>
+              <a:t>https://www.graphql-java.com/tutorials/getting-started-with-spring-boot/</a:t>
+            </a:r>
             <a:endParaRPr lang="en-US" dirty="0"/>
           </a:p>
         </p:txBody>
@@ -1222,7 +1380,7 @@
     </p:spTree>
     <p:extLst>
       <p:ext uri="{BB962C8B-B14F-4D97-AF65-F5344CB8AC3E}">
-        <p14:creationId xmlns:p14="http://schemas.microsoft.com/office/powerpoint/2010/main" val="2640585122"/>
+        <p14:creationId xmlns:p14="http://schemas.microsoft.com/office/powerpoint/2010/main" val="1816630255"/>
       </p:ext>
     </p:extLst>
   </p:cSld>
@@ -1276,8 +1434,25 @@
           <a:bodyPr/>
           <a:lstStyle/>
           <a:p>
-            <a:r>
-              <a:rPr lang="en-US" sz="1200" b="0" i="0" kern="1200" dirty="0" smtClean="0">
+            <a:pPr marL="0" marR="0" indent="0" algn="l" defTabSz="914400" rtl="0" eaLnBrk="1" fontAlgn="auto" latinLnBrk="0" hangingPunct="1">
+              <a:lnSpc>
+                <a:spcPct val="100000"/>
+              </a:lnSpc>
+              <a:spcBef>
+                <a:spcPts val="0"/>
+              </a:spcBef>
+              <a:spcAft>
+                <a:spcPts val="0"/>
+              </a:spcAft>
+              <a:buClrTx/>
+              <a:buSzTx/>
+              <a:buFontTx/>
+              <a:buNone/>
+              <a:tabLst/>
+              <a:defRPr/>
+            </a:pPr>
+            <a:r>
+              <a:rPr lang="en-US" sz="1200" b="1" i="0" kern="1200" dirty="0" smtClean="0">
                 <a:solidFill>
                   <a:schemeClr val="tx1"/>
                 </a:solidFill>
@@ -1286,7 +1461,163 @@
                 <a:ea typeface="+mn-ea"/>
                 <a:cs typeface="+mn-cs"/>
               </a:rPr>
-              <a:t>“The correct handling of API versioning has been one of the most difficult issues faced by developers of distributed systems. Various schemes have been proposed, ranging from the laissez faire approach taken by CORBA (Common Object Request Broker Architecture) to the stricter schemes used in DCOM (Distributed Component Object Model). With the advent of Web services, there are some new features that you can take advantage of that can help alleviate the problem, but the brutal fact of the matter is that versioning has not been built into the Web services architecture.”</a:t>
+              <a:t>schema</a:t>
+            </a:r>
+            <a:r>
+              <a:rPr lang="en-US" sz="1200" b="0" i="0" kern="1200" dirty="0" smtClean="0">
+                <a:solidFill>
+                  <a:schemeClr val="tx1"/>
+                </a:solidFill>
+                <a:effectLst/>
+                <a:latin typeface="+mn-lt"/>
+                <a:ea typeface="+mn-ea"/>
+                <a:cs typeface="+mn-cs"/>
+              </a:rPr>
+              <a:t>, </a:t>
+            </a:r>
+            <a:r>
+              <a:rPr lang="en-US" sz="1200" b="1" i="0" kern="1200" dirty="0" smtClean="0">
+                <a:solidFill>
+                  <a:schemeClr val="tx1"/>
+                </a:solidFill>
+                <a:effectLst/>
+                <a:latin typeface="+mn-lt"/>
+                <a:ea typeface="+mn-ea"/>
+                <a:cs typeface="+mn-cs"/>
+              </a:rPr>
+              <a:t>queries</a:t>
+            </a:r>
+            <a:r>
+              <a:rPr lang="en-US" sz="1200" b="0" i="0" kern="1200" dirty="0" smtClean="0">
+                <a:solidFill>
+                  <a:schemeClr val="tx1"/>
+                </a:solidFill>
+                <a:effectLst/>
+                <a:latin typeface="+mn-lt"/>
+                <a:ea typeface="+mn-ea"/>
+                <a:cs typeface="+mn-cs"/>
+              </a:rPr>
+              <a:t>, </a:t>
+            </a:r>
+            <a:r>
+              <a:rPr lang="en-US" sz="1200" b="0" i="0" kern="1200" dirty="0" err="1" smtClean="0">
+                <a:solidFill>
+                  <a:schemeClr val="tx1"/>
+                </a:solidFill>
+                <a:effectLst/>
+                <a:latin typeface="+mn-lt"/>
+                <a:ea typeface="+mn-ea"/>
+                <a:cs typeface="+mn-cs"/>
+              </a:rPr>
+              <a:t>và</a:t>
+            </a:r>
+            <a:r>
+              <a:rPr lang="en-US" sz="1200" b="0" i="0" kern="1200" dirty="0" smtClean="0">
+                <a:solidFill>
+                  <a:schemeClr val="tx1"/>
+                </a:solidFill>
+                <a:effectLst/>
+                <a:latin typeface="+mn-lt"/>
+                <a:ea typeface="+mn-ea"/>
+                <a:cs typeface="+mn-cs"/>
+              </a:rPr>
+              <a:t> </a:t>
+            </a:r>
+            <a:r>
+              <a:rPr lang="en-US" sz="1200" b="1" i="0" kern="1200" dirty="0" smtClean="0">
+                <a:solidFill>
+                  <a:schemeClr val="tx1"/>
+                </a:solidFill>
+                <a:effectLst/>
+                <a:latin typeface="+mn-lt"/>
+                <a:ea typeface="+mn-ea"/>
+                <a:cs typeface="+mn-cs"/>
+              </a:rPr>
+              <a:t>resolvers</a:t>
+            </a:r>
+          </a:p>
+          <a:p>
+            <a:endParaRPr lang="en-US" sz="1200" b="0" i="0" kern="1200" dirty="0" smtClean="0">
+              <a:solidFill>
+                <a:schemeClr val="tx1"/>
+              </a:solidFill>
+              <a:effectLst/>
+              <a:latin typeface="+mn-lt"/>
+              <a:ea typeface="+mn-ea"/>
+              <a:cs typeface="+mn-cs"/>
+            </a:endParaRPr>
+          </a:p>
+          <a:p>
+            <a:r>
+              <a:rPr lang="en-US" sz="1200" b="0" i="0" kern="1200" dirty="0" smtClean="0">
+                <a:solidFill>
+                  <a:schemeClr val="tx1"/>
+                </a:solidFill>
+                <a:effectLst/>
+                <a:latin typeface="+mn-lt"/>
+                <a:ea typeface="+mn-ea"/>
+                <a:cs typeface="+mn-cs"/>
+              </a:rPr>
+              <a:t>The </a:t>
+            </a:r>
+            <a:r>
+              <a:rPr lang="en-US" sz="1200" b="1" i="0" kern="1200" dirty="0" smtClean="0">
+                <a:solidFill>
+                  <a:schemeClr val="tx1"/>
+                </a:solidFill>
+                <a:effectLst/>
+                <a:latin typeface="+mn-lt"/>
+                <a:ea typeface="+mn-ea"/>
+                <a:cs typeface="+mn-cs"/>
+              </a:rPr>
+              <a:t>schema</a:t>
+            </a:r>
+            <a:r>
+              <a:rPr lang="en-US" sz="1200" b="0" i="0" kern="1200" dirty="0" smtClean="0">
+                <a:solidFill>
+                  <a:schemeClr val="tx1"/>
+                </a:solidFill>
+                <a:effectLst/>
+                <a:latin typeface="+mn-lt"/>
+                <a:ea typeface="+mn-ea"/>
+                <a:cs typeface="+mn-cs"/>
+              </a:rPr>
+              <a:t> describes what queries are possible and what fields you can get back.</a:t>
+            </a:r>
+            <a:endParaRPr lang="en-US" sz="1200" b="1" i="0" kern="1200" dirty="0" smtClean="0">
+              <a:solidFill>
+                <a:schemeClr val="tx1"/>
+              </a:solidFill>
+              <a:effectLst/>
+              <a:latin typeface="+mn-lt"/>
+              <a:ea typeface="+mn-ea"/>
+              <a:cs typeface="+mn-cs"/>
+            </a:endParaRPr>
+          </a:p>
+          <a:p>
+            <a:r>
+              <a:rPr lang="vi-VN" sz="1200" b="1" i="0" kern="1200" dirty="0" smtClean="0">
+                <a:solidFill>
+                  <a:schemeClr val="tx1"/>
+                </a:solidFill>
+                <a:effectLst/>
+                <a:latin typeface="+mn-lt"/>
+                <a:ea typeface="+mn-ea"/>
+                <a:cs typeface="+mn-cs"/>
+              </a:rPr>
+              <a:t>Resolver</a:t>
+            </a:r>
+            <a:r>
+              <a:rPr lang="vi-VN" sz="1200" b="0" i="0" kern="1200" dirty="0" smtClean="0">
+                <a:solidFill>
+                  <a:schemeClr val="tx1"/>
+                </a:solidFill>
+                <a:effectLst/>
+                <a:latin typeface="+mn-lt"/>
+                <a:ea typeface="+mn-ea"/>
+                <a:cs typeface="+mn-cs"/>
+              </a:rPr>
+              <a:t> nói cho GraphQL biết nơi và cách thức để lấy data cần thiết cho field của query mà bạn yêu cầu</a:t>
             </a:r>
             <a:endParaRPr lang="en-US" dirty="0"/>
           </a:p>
@@ -1318,7 +1649,7 @@
     </p:spTree>
     <p:extLst>
       <p:ext uri="{BB962C8B-B14F-4D97-AF65-F5344CB8AC3E}">
-        <p14:creationId xmlns:p14="http://schemas.microsoft.com/office/powerpoint/2010/main" val="650893799"/>
+        <p14:creationId xmlns:p14="http://schemas.microsoft.com/office/powerpoint/2010/main" val="2575923714"/>
       </p:ext>
     </p:extLst>
   </p:cSld>
@@ -1372,54 +1703,6 @@
           <a:bodyPr/>
           <a:lstStyle/>
           <a:p>
-            <a:r>
-              <a:rPr lang="en-US" dirty="0" smtClean="0"/>
-              <a:t>Same approach:</a:t>
-            </a:r>
-            <a:r>
-              <a:rPr lang="en-US" baseline="0" dirty="0" smtClean="0"/>
-              <a:t> Twitter</a:t>
-            </a:r>
-          </a:p>
-          <a:p>
-            <a:endParaRPr lang="en-US" baseline="0" dirty="0" smtClean="0"/>
-          </a:p>
-          <a:p>
-            <a:r>
-              <a:rPr lang="en-US" baseline="0" dirty="0" smtClean="0"/>
-              <a:t>Trace off: </a:t>
-            </a:r>
-          </a:p>
-          <a:p>
-            <a:pPr marL="171450" indent="-171450">
-              <a:buFontTx/>
-              <a:buChar char="-"/>
-            </a:pPr>
-            <a:r>
-              <a:rPr lang="en-US" baseline="0" dirty="0" smtClean="0"/>
-              <a:t>need strong </a:t>
-            </a:r>
-            <a:r>
-              <a:rPr lang="en-US" baseline="0" dirty="0" err="1" smtClean="0"/>
-              <a:t>devops</a:t>
-            </a:r>
-            <a:endParaRPr lang="en-US" baseline="0" dirty="0" smtClean="0"/>
-          </a:p>
-          <a:p>
-            <a:pPr marL="171450" indent="-171450">
-              <a:buFontTx/>
-              <a:buChar char="-"/>
-            </a:pPr>
-            <a:r>
-              <a:rPr lang="en-US" baseline="0" dirty="0" smtClean="0"/>
-              <a:t>Leave big footprint</a:t>
-            </a:r>
-          </a:p>
-          <a:p>
-            <a:pPr marL="171450" indent="-171450">
-              <a:buFontTx/>
-              <a:buChar char="-"/>
-            </a:pPr>
             <a:endParaRPr lang="en-US" dirty="0"/>
           </a:p>
         </p:txBody>
@@ -1441,7 +1724,7 @@
           <a:p>
             <a:fld id="{FEC4ED2C-DC4C-4AFD-8B22-623D9727471E}" type="slidenum">
               <a:rPr lang="en-US" smtClean="0"/>
-              <a:t>7</a:t>
+              <a:t>8</a:t>
             </a:fld>
             <a:endParaRPr lang="en-US"/>
           </a:p>
@@ -1450,7 +1733,7 @@
     </p:spTree>
     <p:extLst>
       <p:ext uri="{BB962C8B-B14F-4D97-AF65-F5344CB8AC3E}">
-        <p14:creationId xmlns:p14="http://schemas.microsoft.com/office/powerpoint/2010/main" val="1705485101"/>
+        <p14:creationId xmlns:p14="http://schemas.microsoft.com/office/powerpoint/2010/main" val="2640585122"/>
       </p:ext>
     </p:extLst>
   </p:cSld>
@@ -1504,96 +1787,41 @@
           <a:bodyPr/>
           <a:lstStyle/>
           <a:p>
-            <a:pPr marL="171450" indent="-171450">
-              <a:buFontTx/>
-              <a:buChar char="-"/>
-            </a:pPr>
-            <a:r>
-              <a:rPr lang="en-US" baseline="0" dirty="0" smtClean="0"/>
-              <a:t>Control more</a:t>
-            </a:r>
-          </a:p>
-          <a:p>
-            <a:pPr marL="171450" indent="-171450">
-              <a:buFontTx/>
-              <a:buChar char="-"/>
-            </a:pPr>
-            <a:r>
-              <a:rPr lang="en-US" baseline="0" dirty="0" smtClean="0"/>
-              <a:t>Not Expose version on </a:t>
-            </a:r>
-            <a:r>
-              <a:rPr lang="en-US" baseline="0" dirty="0" err="1" smtClean="0"/>
-              <a:t>url</a:t>
-            </a:r>
-            <a:endParaRPr lang="en-US" dirty="0" smtClean="0"/>
-          </a:p>
-          <a:p>
-            <a:r>
-              <a:rPr lang="en-US" dirty="0" smtClean="0"/>
-              <a:t>Trace</a:t>
-            </a:r>
-            <a:r>
-              <a:rPr lang="en-US" baseline="0" dirty="0" smtClean="0"/>
-              <a:t> off: </a:t>
-            </a:r>
-          </a:p>
-          <a:p>
-            <a:pPr marL="171450" indent="-171450">
-              <a:buFontTx/>
-              <a:buChar char="-"/>
-            </a:pPr>
-            <a:r>
-              <a:rPr lang="en-US" baseline="0" dirty="0" smtClean="0"/>
-              <a:t>Be ware off firewall</a:t>
-            </a:r>
-          </a:p>
-          <a:p>
-            <a:pPr marL="171450" indent="-171450">
-              <a:buFontTx/>
-              <a:buChar char="-"/>
-            </a:pPr>
-            <a:r>
-              <a:rPr lang="en-US" baseline="0" dirty="0" smtClean="0"/>
-              <a:t>Convention/</a:t>
-            </a:r>
-            <a:r>
-              <a:rPr lang="en-US" baseline="0" dirty="0" err="1" smtClean="0"/>
-              <a:t>Standardise</a:t>
-            </a:r>
-            <a:r>
-              <a:rPr lang="en-US" baseline="0" dirty="0" smtClean="0"/>
-              <a:t>?</a:t>
-            </a:r>
-          </a:p>
-          <a:p>
-            <a:pPr marL="171450" indent="-171450">
-              <a:buFontTx/>
-              <a:buChar char="-"/>
-            </a:pPr>
-            <a:r>
-              <a:rPr lang="en-US" baseline="0" dirty="0" smtClean="0"/>
-              <a:t>HTML form</a:t>
-            </a:r>
-          </a:p>
-          <a:p>
-            <a:pPr marL="171450" indent="-171450">
-              <a:buFontTx/>
-              <a:buChar char="-"/>
-            </a:pPr>
-            <a:r>
-              <a:rPr lang="en-US" baseline="0" dirty="0" smtClean="0"/>
-              <a:t>Difficult to test</a:t>
-            </a:r>
-          </a:p>
-          <a:p>
-            <a:pPr marL="171450" indent="-171450">
-              <a:buFontTx/>
-              <a:buChar char="-"/>
-            </a:pPr>
-            <a:r>
-              <a:rPr lang="en-US" baseline="0" dirty="0" smtClean="0"/>
-              <a:t>Cannot call directly from browser</a:t>
+            <a:r>
+              <a:rPr lang="en-US" sz="1200" b="0" i="0" kern="1200" dirty="0" smtClean="0">
+                <a:solidFill>
+                  <a:schemeClr val="tx1"/>
+                </a:solidFill>
+                <a:effectLst/>
+                <a:latin typeface="+mn-lt"/>
+                <a:ea typeface="+mn-ea"/>
+                <a:cs typeface="+mn-cs"/>
+              </a:rPr>
+              <a:t>“The correct handling of API versioning has been one of the most difficult issues faced by developers of distributed systems. Component Object Model). With the advent of </a:t>
+            </a:r>
+            <a:r>
+              <a:rPr lang="en-US" sz="1200" b="0" i="0" kern="1200" dirty="0" err="1" smtClean="0">
+                <a:solidFill>
+                  <a:schemeClr val="tx1"/>
+                </a:solidFill>
+                <a:effectLst/>
+                <a:latin typeface="+mn-lt"/>
+                <a:ea typeface="+mn-ea"/>
+                <a:cs typeface="+mn-cs"/>
+              </a:rPr>
+              <a:t>WeVarious</a:t>
+            </a:r>
+            <a:r>
+              <a:rPr lang="en-US" sz="1200" b="0" i="0" kern="1200" dirty="0" smtClean="0">
+                <a:solidFill>
+                  <a:schemeClr val="tx1"/>
+                </a:solidFill>
+                <a:effectLst/>
+                <a:latin typeface="+mn-lt"/>
+                <a:ea typeface="+mn-ea"/>
+                <a:cs typeface="+mn-cs"/>
+              </a:rPr>
+              <a:t> schemes have been proposed, ranging from the laissez faire approach taken by CORBA (Common Object Request Broker Architecture) to the stricter schemes used in DCOM (Distributed b services, there are some new features that you can take advantage of that can help alleviate the problem, but the brutal fact of the matter is that versioning has not been built into the Web services architecture.”</a:t>
             </a:r>
             <a:endParaRPr lang="en-US" dirty="0"/>
           </a:p>
@@ -1616,7 +1844,7 @@
           <a:p>
             <a:fld id="{FEC4ED2C-DC4C-4AFD-8B22-623D9727471E}" type="slidenum">
               <a:rPr lang="en-US" smtClean="0"/>
-              <a:t>8</a:t>
+              <a:t>9</a:t>
             </a:fld>
             <a:endParaRPr lang="en-US"/>
           </a:p>
@@ -1625,7 +1853,7 @@
     </p:spTree>
     <p:extLst>
       <p:ext uri="{BB962C8B-B14F-4D97-AF65-F5344CB8AC3E}">
-        <p14:creationId xmlns:p14="http://schemas.microsoft.com/office/powerpoint/2010/main" val="2973050099"/>
+        <p14:creationId xmlns:p14="http://schemas.microsoft.com/office/powerpoint/2010/main" val="650893799"/>
       </p:ext>
     </p:extLst>
   </p:cSld>
@@ -1681,8 +1909,52 @@
           <a:p>
             <a:r>
               <a:rPr lang="en-US" dirty="0" smtClean="0"/>
-              <a:t>Trace off:</a:t>
-            </a:r>
+              <a:t>Same approach:</a:t>
+            </a:r>
+            <a:r>
+              <a:rPr lang="en-US" baseline="0" dirty="0" smtClean="0"/>
+              <a:t> Twitter</a:t>
+            </a:r>
+          </a:p>
+          <a:p>
+            <a:endParaRPr lang="en-US" baseline="0" dirty="0" smtClean="0"/>
+          </a:p>
+          <a:p>
+            <a:r>
+              <a:rPr lang="en-US" baseline="0" dirty="0" smtClean="0"/>
+              <a:t>Trace off: </a:t>
+            </a:r>
+          </a:p>
+          <a:p>
+            <a:pPr marL="171450" indent="-171450">
+              <a:buFontTx/>
+              <a:buChar char="-"/>
+            </a:pPr>
+            <a:r>
+              <a:rPr lang="en-US" baseline="0" dirty="0" smtClean="0"/>
+              <a:t>need strong </a:t>
+            </a:r>
+            <a:r>
+              <a:rPr lang="en-US" baseline="0" dirty="0" err="1" smtClean="0"/>
+              <a:t>devops</a:t>
+            </a:r>
+            <a:endParaRPr lang="en-US" baseline="0" dirty="0" smtClean="0"/>
+          </a:p>
+          <a:p>
+            <a:pPr marL="171450" indent="-171450">
+              <a:buFontTx/>
+              <a:buChar char="-"/>
+            </a:pPr>
+            <a:r>
+              <a:rPr lang="en-US" baseline="0" dirty="0" smtClean="0"/>
+              <a:t>Leave big footprint</a:t>
+            </a:r>
+          </a:p>
+          <a:p>
+            <a:pPr marL="171450" indent="-171450">
+              <a:buFontTx/>
+              <a:buChar char="-"/>
+            </a:pPr>
             <a:endParaRPr lang="en-US" dirty="0"/>
           </a:p>
         </p:txBody>
@@ -1704,7 +1976,7 @@
           <a:p>
             <a:fld id="{FEC4ED2C-DC4C-4AFD-8B22-623D9727471E}" type="slidenum">
               <a:rPr lang="en-US" smtClean="0"/>
-              <a:t>9</a:t>
+              <a:t>10</a:t>
             </a:fld>
             <a:endParaRPr lang="en-US"/>
           </a:p>
@@ -1713,7 +1985,7 @@
     </p:spTree>
     <p:extLst>
       <p:ext uri="{BB962C8B-B14F-4D97-AF65-F5344CB8AC3E}">
-        <p14:creationId xmlns:p14="http://schemas.microsoft.com/office/powerpoint/2010/main" val="4029540418"/>
+        <p14:creationId xmlns:p14="http://schemas.microsoft.com/office/powerpoint/2010/main" val="1705485101"/>
       </p:ext>
     </p:extLst>
   </p:cSld>
@@ -1767,83 +2039,97 @@
           <a:bodyPr/>
           <a:lstStyle/>
           <a:p>
-            <a:r>
-              <a:rPr lang="en-US" sz="1200" b="0" i="0" kern="1200" dirty="0" smtClean="0">
-                <a:solidFill>
-                  <a:schemeClr val="tx1"/>
-                </a:solidFill>
-                <a:effectLst/>
-                <a:latin typeface="+mn-lt"/>
-                <a:ea typeface="+mn-ea"/>
-                <a:cs typeface="+mn-cs"/>
-              </a:rPr>
-              <a:t>The Knot. "All API consumers are tied to a single version of the API, when that API changes, all consumers have to change, in essence creating a massive ripple effect across the entire set of consumers / ecosystem.“</a:t>
-            </a:r>
-          </a:p>
-          <a:p>
-            <a:endParaRPr lang="en-US" sz="1200" b="1" i="0" kern="1200" dirty="0" smtClean="0">
-              <a:solidFill>
-                <a:schemeClr val="tx1"/>
-              </a:solidFill>
-              <a:effectLst/>
-              <a:latin typeface="+mn-lt"/>
-              <a:ea typeface="+mn-ea"/>
-              <a:cs typeface="+mn-cs"/>
-            </a:endParaRPr>
-          </a:p>
-          <a:p>
-            <a:r>
-              <a:rPr lang="en-US" sz="1200" b="1" i="0" kern="1200" dirty="0" smtClean="0">
-                <a:solidFill>
-                  <a:schemeClr val="tx1"/>
-                </a:solidFill>
-                <a:effectLst/>
-                <a:latin typeface="+mn-lt"/>
-                <a:ea typeface="+mn-ea"/>
-                <a:cs typeface="+mn-cs"/>
-              </a:rPr>
-              <a:t>APIs can be among your greatest assets or liabilities.</a:t>
-            </a:r>
-            <a:r>
-              <a:rPr lang="en-US" sz="1200" b="0" i="0" kern="1200" dirty="0" smtClean="0">
-                <a:solidFill>
-                  <a:schemeClr val="tx1"/>
-                </a:solidFill>
-                <a:effectLst/>
-                <a:latin typeface="+mn-lt"/>
-                <a:ea typeface="+mn-ea"/>
-                <a:cs typeface="+mn-cs"/>
-              </a:rPr>
-              <a:t> Good APIs create long-term customers; bad ones create long-term support nightmares.</a:t>
-            </a:r>
-          </a:p>
-          <a:p>
-            <a:r>
-              <a:rPr lang="en-US" sz="1200" b="1" i="0" kern="1200" dirty="0" smtClean="0">
-                <a:solidFill>
-                  <a:schemeClr val="tx1"/>
-                </a:solidFill>
-                <a:effectLst/>
-                <a:latin typeface="+mn-lt"/>
-                <a:ea typeface="+mn-ea"/>
-                <a:cs typeface="+mn-cs"/>
-              </a:rPr>
-              <a:t>Public APIs, like diamonds, are forever.</a:t>
-            </a:r>
-            <a:r>
-              <a:rPr lang="en-US" sz="1200" b="0" i="0" kern="1200" dirty="0" smtClean="0">
-                <a:solidFill>
-                  <a:schemeClr val="tx1"/>
-                </a:solidFill>
-                <a:effectLst/>
-                <a:latin typeface="+mn-lt"/>
-                <a:ea typeface="+mn-ea"/>
-                <a:cs typeface="+mn-cs"/>
-              </a:rPr>
-              <a:t> You have one chance to get it right so give it your best.</a:t>
-            </a:r>
-          </a:p>
-          <a:p>
+            <a:pPr marL="171450" indent="-171450">
+              <a:buFontTx/>
+              <a:buChar char="-"/>
+            </a:pPr>
+            <a:r>
+              <a:rPr lang="en-US" baseline="0" dirty="0" smtClean="0"/>
+              <a:t>Control more</a:t>
+            </a:r>
+          </a:p>
+          <a:p>
+            <a:pPr marL="171450" indent="-171450">
+              <a:buFontTx/>
+              <a:buChar char="-"/>
+            </a:pPr>
+            <a:r>
+              <a:rPr lang="en-US" baseline="0" dirty="0" smtClean="0"/>
+              <a:t>Not Expose version on </a:t>
+            </a:r>
+            <a:r>
+              <a:rPr lang="en-US" baseline="0" dirty="0" err="1" smtClean="0"/>
+              <a:t>url</a:t>
+            </a:r>
+            <a:endParaRPr lang="en-US" dirty="0" smtClean="0"/>
+          </a:p>
+          <a:p>
+            <a:r>
+              <a:rPr lang="en-US" dirty="0" smtClean="0"/>
+              <a:t>Trace</a:t>
+            </a:r>
+            <a:r>
+              <a:rPr lang="en-US" baseline="0" dirty="0" smtClean="0"/>
+              <a:t> off: </a:t>
+            </a:r>
+          </a:p>
+          <a:p>
+            <a:pPr marL="171450" indent="-171450">
+              <a:buFontTx/>
+              <a:buChar char="-"/>
+            </a:pPr>
+            <a:r>
+              <a:rPr lang="en-US" baseline="0" dirty="0" smtClean="0"/>
+              <a:t>Be ware off firewall</a:t>
+            </a:r>
+          </a:p>
+          <a:p>
+            <a:pPr marL="171450" indent="-171450">
+              <a:buFontTx/>
+              <a:buChar char="-"/>
+            </a:pPr>
+            <a:r>
+              <a:rPr lang="en-US" baseline="0" dirty="0" smtClean="0"/>
+              <a:t>Convention/</a:t>
+            </a:r>
+            <a:r>
+              <a:rPr lang="en-US" baseline="0" dirty="0" err="1" smtClean="0"/>
+              <a:t>Standardise</a:t>
+            </a:r>
+            <a:r>
+              <a:rPr lang="en-US" baseline="0" dirty="0" smtClean="0"/>
+              <a:t>?</a:t>
+            </a:r>
+          </a:p>
+          <a:p>
+            <a:pPr marL="171450" indent="-171450">
+              <a:buFontTx/>
+              <a:buChar char="-"/>
+            </a:pPr>
+            <a:r>
+              <a:rPr lang="en-US" baseline="0" dirty="0" smtClean="0"/>
+              <a:t>HTML form</a:t>
+            </a:r>
+          </a:p>
+          <a:p>
+            <a:pPr marL="171450" indent="-171450">
+              <a:buFontTx/>
+              <a:buChar char="-"/>
+            </a:pPr>
+            <a:r>
+              <a:rPr lang="en-US" baseline="0" dirty="0" smtClean="0"/>
+              <a:t>Difficult to test</a:t>
+            </a:r>
+          </a:p>
+          <a:p>
+            <a:pPr marL="171450" indent="-171450">
+              <a:buFontTx/>
+              <a:buChar char="-"/>
+            </a:pPr>
+            <a:r>
+              <a:rPr lang="en-US" baseline="0" dirty="0" smtClean="0"/>
+              <a:t>Cannot call directly from browser</a:t>
+            </a:r>
             <a:endParaRPr lang="en-US" dirty="0"/>
           </a:p>
         </p:txBody>
@@ -1865,7 +2151,7 @@
           <a:p>
             <a:fld id="{FEC4ED2C-DC4C-4AFD-8B22-623D9727471E}" type="slidenum">
               <a:rPr lang="en-US" smtClean="0"/>
-              <a:t>10</a:t>
+              <a:t>11</a:t>
             </a:fld>
             <a:endParaRPr lang="en-US"/>
           </a:p>
@@ -1874,7 +2160,7 @@
     </p:spTree>
     <p:extLst>
       <p:ext uri="{BB962C8B-B14F-4D97-AF65-F5344CB8AC3E}">
-        <p14:creationId xmlns:p14="http://schemas.microsoft.com/office/powerpoint/2010/main" val="690593739"/>
+        <p14:creationId xmlns:p14="http://schemas.microsoft.com/office/powerpoint/2010/main" val="2973050099"/>
       </p:ext>
     </p:extLst>
   </p:cSld>
@@ -1928,6 +2214,10 @@
           <a:bodyPr/>
           <a:lstStyle/>
           <a:p>
+            <a:r>
+              <a:rPr lang="en-US" dirty="0" smtClean="0"/>
+              <a:t>Trace off:</a:t>
+            </a:r>
             <a:endParaRPr lang="en-US" dirty="0"/>
           </a:p>
         </p:txBody>
@@ -1949,7 +2239,7 @@
           <a:p>
             <a:fld id="{FEC4ED2C-DC4C-4AFD-8B22-623D9727471E}" type="slidenum">
               <a:rPr lang="en-US" smtClean="0"/>
-              <a:t>11</a:t>
+              <a:t>12</a:t>
             </a:fld>
             <a:endParaRPr lang="en-US"/>
           </a:p>
@@ -1958,7 +2248,7 @@
     </p:spTree>
     <p:extLst>
       <p:ext uri="{BB962C8B-B14F-4D97-AF65-F5344CB8AC3E}">
-        <p14:creationId xmlns:p14="http://schemas.microsoft.com/office/powerpoint/2010/main" val="1304344373"/>
+        <p14:creationId xmlns:p14="http://schemas.microsoft.com/office/powerpoint/2010/main" val="4029540418"/>
       </p:ext>
     </p:extLst>
   </p:cSld>
@@ -3146,7 +3436,7 @@
     </p:spTree>
     <p:extLst>
       <p:ext uri="{BB962C8B-B14F-4D97-AF65-F5344CB8AC3E}">
-        <p14:creationId xmlns:p14="http://schemas.microsoft.com/office/powerpoint/2010/main" val="2342521540"/>
+        <p14:creationId xmlns:p14="http://schemas.microsoft.com/office/powerpoint/2010/main" val="259094464"/>
       </p:ext>
     </p:extLst>
   </p:cSld>
@@ -3659,6 +3949,813 @@
 </file>
 
 <file path=ppt/slides/slide10.xml><?xml version="1.0" encoding="utf-8"?>
+<p:sld xmlns:a="http://schemas.openxmlformats.org/drawingml/2006/main" xmlns:r="http://schemas.openxmlformats.org/officeDocument/2006/relationships" xmlns:p="http://schemas.openxmlformats.org/presentationml/2006/main" showMasterSp="0">
+  <p:cSld>
+    <p:spTree>
+      <p:nvGrpSpPr>
+        <p:cNvPr id="1" name=""/>
+        <p:cNvGrpSpPr/>
+        <p:nvPr/>
+      </p:nvGrpSpPr>
+      <p:grpSpPr>
+        <a:xfrm>
+          <a:off x="0" y="0"/>
+          <a:ext cx="0" cy="0"/>
+          <a:chOff x="0" y="0"/>
+          <a:chExt cx="0" cy="0"/>
+        </a:xfrm>
+      </p:grpSpPr>
+      <p:pic>
+        <p:nvPicPr>
+          <p:cNvPr id="4" name="Picture 3"/>
+          <p:cNvPicPr>
+            <a:picLocks noChangeAspect="1"/>
+          </p:cNvPicPr>
+          <p:nvPr/>
+        </p:nvPicPr>
+        <p:blipFill>
+          <a:blip r:embed="rId3">
+            <a:extLst>
+              <a:ext uri="{28A0092B-C50C-407E-A947-70E740481C1C}">
+                <a14:useLocalDpi xmlns:a14="http://schemas.microsoft.com/office/drawing/2010/main" val="0"/>
+              </a:ext>
+            </a:extLst>
+          </a:blip>
+          <a:stretch>
+            <a:fillRect/>
+          </a:stretch>
+        </p:blipFill>
+        <p:spPr>
+          <a:xfrm>
+            <a:off x="228600" y="468291"/>
+            <a:ext cx="10210800" cy="6237594"/>
+          </a:xfrm>
+          <a:prstGeom prst="rect">
+            <a:avLst/>
+          </a:prstGeom>
+        </p:spPr>
+      </p:pic>
+      <p:sp>
+        <p:nvSpPr>
+          <p:cNvPr id="6" name="TextBox 5"/>
+          <p:cNvSpPr txBox="1"/>
+          <p:nvPr/>
+        </p:nvSpPr>
+        <p:spPr>
+          <a:xfrm>
+            <a:off x="0" y="0"/>
+            <a:ext cx="3048000" cy="523220"/>
+          </a:xfrm>
+          <a:prstGeom prst="rect">
+            <a:avLst/>
+          </a:prstGeom>
+          <a:noFill/>
+        </p:spPr>
+        <p:txBody>
+          <a:bodyPr wrap="square" rtlCol="0">
+            <a:spAutoFit/>
+          </a:bodyPr>
+          <a:lstStyle/>
+          <a:p>
+            <a:r>
+              <a:rPr lang="en-US" sz="2800" i="1" dirty="0">
+                <a:solidFill>
+                  <a:srgbClr val="02A9F7"/>
+                </a:solidFill>
+              </a:rPr>
+              <a:t>Point to point</a:t>
+            </a:r>
+          </a:p>
+        </p:txBody>
+      </p:sp>
+      <p:sp>
+        <p:nvSpPr>
+          <p:cNvPr id="2" name="TextBox 1"/>
+          <p:cNvSpPr txBox="1"/>
+          <p:nvPr/>
+        </p:nvSpPr>
+        <p:spPr>
+          <a:xfrm>
+            <a:off x="6647793" y="5372564"/>
+            <a:ext cx="3791607" cy="1314271"/>
+          </a:xfrm>
+          <a:prstGeom prst="rect">
+            <a:avLst/>
+          </a:prstGeom>
+          <a:solidFill>
+            <a:schemeClr val="accent5">
+              <a:lumMod val="20000"/>
+              <a:lumOff val="80000"/>
+            </a:schemeClr>
+          </a:solidFill>
+        </p:spPr>
+        <p:txBody>
+          <a:bodyPr wrap="square" rtlCol="0">
+            <a:noAutofit/>
+          </a:bodyPr>
+          <a:lstStyle/>
+          <a:p>
+            <a:r>
+              <a:rPr lang="en-US" sz="2400" i="1" dirty="0" smtClean="0">
+                <a:solidFill>
+                  <a:srgbClr val="FFC000"/>
+                </a:solidFill>
+              </a:rPr>
+              <a:t>DevOps</a:t>
+            </a:r>
+            <a:endParaRPr lang="en-US" sz="2400" i="1" dirty="0">
+              <a:solidFill>
+                <a:srgbClr val="FFC000"/>
+              </a:solidFill>
+            </a:endParaRPr>
+          </a:p>
+          <a:p>
+            <a:r>
+              <a:rPr lang="en-US" sz="2400" i="1" dirty="0" smtClean="0">
+                <a:solidFill>
+                  <a:srgbClr val="FFC000"/>
+                </a:solidFill>
+              </a:rPr>
+              <a:t>Footprints</a:t>
+            </a:r>
+          </a:p>
+          <a:p>
+            <a:r>
+              <a:rPr lang="en-US" sz="2400" i="1" dirty="0" smtClean="0">
+                <a:solidFill>
+                  <a:srgbClr val="FFC000"/>
+                </a:solidFill>
+              </a:rPr>
+              <a:t>Maintenance</a:t>
+            </a:r>
+            <a:endParaRPr lang="en-US" sz="2400" i="1" dirty="0">
+              <a:solidFill>
+                <a:srgbClr val="FFC000"/>
+              </a:solidFill>
+            </a:endParaRPr>
+          </a:p>
+        </p:txBody>
+      </p:sp>
+      <p:cxnSp>
+        <p:nvCxnSpPr>
+          <p:cNvPr id="7" name="Straight Arrow Connector 6"/>
+          <p:cNvCxnSpPr/>
+          <p:nvPr/>
+        </p:nvCxnSpPr>
+        <p:spPr>
+          <a:xfrm flipH="1">
+            <a:off x="1447800" y="468291"/>
+            <a:ext cx="685800" cy="141309"/>
+          </a:xfrm>
+          <a:prstGeom prst="straightConnector1">
+            <a:avLst/>
+          </a:prstGeom>
+          <a:ln w="38100">
+            <a:solidFill>
+              <a:srgbClr val="FF0000"/>
+            </a:solidFill>
+            <a:tailEnd type="triangle"/>
+          </a:ln>
+        </p:spPr>
+        <p:style>
+          <a:lnRef idx="1">
+            <a:schemeClr val="accent1"/>
+          </a:lnRef>
+          <a:fillRef idx="0">
+            <a:schemeClr val="accent1"/>
+          </a:fillRef>
+          <a:effectRef idx="0">
+            <a:schemeClr val="accent1"/>
+          </a:effectRef>
+          <a:fontRef idx="minor">
+            <a:schemeClr val="tx1"/>
+          </a:fontRef>
+        </p:style>
+      </p:cxnSp>
+      <p:sp>
+        <p:nvSpPr>
+          <p:cNvPr id="5" name="TextBox 4"/>
+          <p:cNvSpPr txBox="1"/>
+          <p:nvPr/>
+        </p:nvSpPr>
+        <p:spPr>
+          <a:xfrm flipH="1">
+            <a:off x="2743200" y="4117459"/>
+            <a:ext cx="7696200" cy="1200329"/>
+          </a:xfrm>
+          <a:prstGeom prst="rect">
+            <a:avLst/>
+          </a:prstGeom>
+          <a:solidFill>
+            <a:srgbClr val="02A9F7"/>
+          </a:solidFill>
+        </p:spPr>
+        <p:txBody>
+          <a:bodyPr wrap="square" rtlCol="0">
+            <a:spAutoFit/>
+          </a:bodyPr>
+          <a:lstStyle/>
+          <a:p>
+            <a:pPr lvl="1"/>
+            <a:r>
+              <a:rPr lang="en-US" sz="2400" dirty="0" smtClean="0"/>
+              <a:t>URLs:</a:t>
+            </a:r>
+            <a:endParaRPr lang="en-US" sz="2400" dirty="0"/>
+          </a:p>
+          <a:p>
+            <a:pPr lvl="2"/>
+            <a:r>
+              <a:rPr lang="en-US" sz="2400" dirty="0">
+                <a:solidFill>
+                  <a:schemeClr val="bg1"/>
+                </a:solidFill>
+              </a:rPr>
+              <a:t>https</a:t>
+            </a:r>
+            <a:r>
+              <a:rPr lang="en-US" sz="2400" dirty="0" smtClean="0">
+                <a:solidFill>
+                  <a:schemeClr val="bg1"/>
+                </a:solidFill>
+              </a:rPr>
+              <a:t>://www.googleapis.com/blogger/</a:t>
+            </a:r>
+            <a:r>
+              <a:rPr lang="en-US" sz="2400" b="1" u="sng" dirty="0" smtClean="0">
+                <a:solidFill>
+                  <a:schemeClr val="bg1"/>
+                </a:solidFill>
+              </a:rPr>
+              <a:t>v2</a:t>
+            </a:r>
+            <a:r>
+              <a:rPr lang="en-US" sz="2400" dirty="0" smtClean="0">
+                <a:solidFill>
+                  <a:schemeClr val="bg1"/>
+                </a:solidFill>
+              </a:rPr>
+              <a:t>/blogs/...</a:t>
+            </a:r>
+            <a:endParaRPr lang="en-US" sz="2400" dirty="0">
+              <a:solidFill>
+                <a:schemeClr val="bg1"/>
+              </a:solidFill>
+            </a:endParaRPr>
+          </a:p>
+          <a:p>
+            <a:pPr lvl="2"/>
+            <a:r>
+              <a:rPr lang="en-US" sz="2400" dirty="0" smtClean="0">
+                <a:solidFill>
+                  <a:schemeClr val="bg1"/>
+                </a:solidFill>
+              </a:rPr>
+              <a:t>https://www.googleapis.com/blogger/</a:t>
+            </a:r>
+            <a:r>
+              <a:rPr lang="en-US" sz="2400" b="1" u="sng" dirty="0" smtClean="0">
+                <a:solidFill>
+                  <a:schemeClr val="bg1"/>
+                </a:solidFill>
+              </a:rPr>
+              <a:t>v3</a:t>
+            </a:r>
+            <a:r>
+              <a:rPr lang="en-US" sz="2400" dirty="0" smtClean="0">
+                <a:solidFill>
+                  <a:schemeClr val="bg1"/>
+                </a:solidFill>
+              </a:rPr>
+              <a:t>/blogs</a:t>
+            </a:r>
+            <a:r>
+              <a:rPr lang="en-US" sz="2400" dirty="0">
+                <a:solidFill>
+                  <a:schemeClr val="bg1"/>
+                </a:solidFill>
+              </a:rPr>
+              <a:t>/...</a:t>
+            </a:r>
+          </a:p>
+        </p:txBody>
+      </p:sp>
+      <p:cxnSp>
+        <p:nvCxnSpPr>
+          <p:cNvPr id="10" name="Straight Arrow Connector 9"/>
+          <p:cNvCxnSpPr/>
+          <p:nvPr/>
+        </p:nvCxnSpPr>
+        <p:spPr>
+          <a:xfrm flipH="1">
+            <a:off x="1447800" y="4117459"/>
+            <a:ext cx="685800" cy="141309"/>
+          </a:xfrm>
+          <a:prstGeom prst="straightConnector1">
+            <a:avLst/>
+          </a:prstGeom>
+          <a:ln w="38100">
+            <a:solidFill>
+              <a:srgbClr val="FF0000"/>
+            </a:solidFill>
+            <a:tailEnd type="triangle"/>
+          </a:ln>
+        </p:spPr>
+        <p:style>
+          <a:lnRef idx="1">
+            <a:schemeClr val="accent1"/>
+          </a:lnRef>
+          <a:fillRef idx="0">
+            <a:schemeClr val="accent1"/>
+          </a:fillRef>
+          <a:effectRef idx="0">
+            <a:schemeClr val="accent1"/>
+          </a:effectRef>
+          <a:fontRef idx="minor">
+            <a:schemeClr val="tx1"/>
+          </a:fontRef>
+        </p:style>
+      </p:cxnSp>
+      <p:cxnSp>
+        <p:nvCxnSpPr>
+          <p:cNvPr id="8" name="Straight Arrow Connector 7"/>
+          <p:cNvCxnSpPr/>
+          <p:nvPr/>
+        </p:nvCxnSpPr>
+        <p:spPr>
+          <a:xfrm>
+            <a:off x="6324600" y="3905022"/>
+            <a:ext cx="0" cy="608457"/>
+          </a:xfrm>
+          <a:prstGeom prst="straightConnector1">
+            <a:avLst/>
+          </a:prstGeom>
+          <a:ln w="38100">
+            <a:solidFill>
+              <a:srgbClr val="FF0000"/>
+            </a:solidFill>
+            <a:tailEnd type="triangle"/>
+          </a:ln>
+        </p:spPr>
+        <p:style>
+          <a:lnRef idx="1">
+            <a:schemeClr val="accent1"/>
+          </a:lnRef>
+          <a:fillRef idx="0">
+            <a:schemeClr val="accent1"/>
+          </a:fillRef>
+          <a:effectRef idx="0">
+            <a:schemeClr val="accent1"/>
+          </a:effectRef>
+          <a:fontRef idx="minor">
+            <a:schemeClr val="tx1"/>
+          </a:fontRef>
+        </p:style>
+      </p:cxnSp>
+    </p:spTree>
+    <p:extLst>
+      <p:ext uri="{BB962C8B-B14F-4D97-AF65-F5344CB8AC3E}">
+        <p14:creationId xmlns:p14="http://schemas.microsoft.com/office/powerpoint/2010/main" val="4008367687"/>
+      </p:ext>
+    </p:extLst>
+  </p:cSld>
+  <p:clrMapOvr>
+    <a:masterClrMapping/>
+  </p:clrMapOvr>
+  <p:timing>
+    <p:tnLst>
+      <p:par>
+        <p:cTn id="1" dur="indefinite" restart="never" nodeType="tmRoot"/>
+      </p:par>
+    </p:tnLst>
+  </p:timing>
+</p:sld>
+</file>
+
+<file path=ppt/slides/slide11.xml><?xml version="1.0" encoding="utf-8"?>
+<p:sld xmlns:a="http://schemas.openxmlformats.org/drawingml/2006/main" xmlns:r="http://schemas.openxmlformats.org/officeDocument/2006/relationships" xmlns:p="http://schemas.openxmlformats.org/presentationml/2006/main" showMasterSp="0">
+  <p:cSld>
+    <p:spTree>
+      <p:nvGrpSpPr>
+        <p:cNvPr id="1" name=""/>
+        <p:cNvGrpSpPr/>
+        <p:nvPr/>
+      </p:nvGrpSpPr>
+      <p:grpSpPr>
+        <a:xfrm>
+          <a:off x="0" y="0"/>
+          <a:ext cx="0" cy="0"/>
+          <a:chOff x="0" y="0"/>
+          <a:chExt cx="0" cy="0"/>
+        </a:xfrm>
+      </p:grpSpPr>
+      <p:pic>
+        <p:nvPicPr>
+          <p:cNvPr id="4" name="Picture 3"/>
+          <p:cNvPicPr>
+            <a:picLocks noChangeAspect="1"/>
+          </p:cNvPicPr>
+          <p:nvPr/>
+        </p:nvPicPr>
+        <p:blipFill>
+          <a:blip r:embed="rId3">
+            <a:extLst>
+              <a:ext uri="{28A0092B-C50C-407E-A947-70E740481C1C}">
+                <a14:useLocalDpi xmlns:a14="http://schemas.microsoft.com/office/drawing/2010/main" val="0"/>
+              </a:ext>
+            </a:extLst>
+          </a:blip>
+          <a:stretch>
+            <a:fillRect/>
+          </a:stretch>
+        </p:blipFill>
+        <p:spPr>
+          <a:xfrm>
+            <a:off x="321150" y="1447800"/>
+            <a:ext cx="11870850" cy="5410200"/>
+          </a:xfrm>
+          <a:prstGeom prst="rect">
+            <a:avLst/>
+          </a:prstGeom>
+        </p:spPr>
+      </p:pic>
+      <p:sp>
+        <p:nvSpPr>
+          <p:cNvPr id="5" name="TextBox 4"/>
+          <p:cNvSpPr txBox="1"/>
+          <p:nvPr/>
+        </p:nvSpPr>
+        <p:spPr>
+          <a:xfrm flipH="1">
+            <a:off x="0" y="685800"/>
+            <a:ext cx="8077200" cy="762000"/>
+          </a:xfrm>
+          <a:prstGeom prst="rect">
+            <a:avLst/>
+          </a:prstGeom>
+          <a:solidFill>
+            <a:srgbClr val="02A9F7"/>
+          </a:solidFill>
+        </p:spPr>
+        <p:txBody>
+          <a:bodyPr wrap="none" lIns="0" tIns="0" rIns="91440" bIns="0" rtlCol="0" anchor="ctr">
+            <a:noAutofit/>
+          </a:bodyPr>
+          <a:lstStyle/>
+          <a:p>
+            <a:pPr lvl="2" algn="r"/>
+            <a:r>
+              <a:rPr lang="en-US" sz="2200" dirty="0" smtClean="0"/>
+              <a:t>Accepted </a:t>
+            </a:r>
+            <a:r>
+              <a:rPr lang="en-US" sz="2200" dirty="0"/>
+              <a:t>header:</a:t>
+            </a:r>
+            <a:r>
+              <a:rPr lang="en-US" sz="2400" dirty="0"/>
+              <a:t> </a:t>
+            </a:r>
+            <a:r>
+              <a:rPr lang="en-US" sz="2400" dirty="0" smtClean="0">
+                <a:solidFill>
+                  <a:schemeClr val="bg1"/>
+                </a:solidFill>
+              </a:rPr>
+              <a:t>Accept</a:t>
+            </a:r>
+            <a:r>
+              <a:rPr lang="en-US" sz="2400" dirty="0">
+                <a:solidFill>
+                  <a:schemeClr val="bg1"/>
+                </a:solidFill>
+              </a:rPr>
+              <a:t>: </a:t>
+            </a:r>
+            <a:r>
+              <a:rPr lang="en-US" sz="2400" dirty="0" smtClean="0">
+                <a:solidFill>
+                  <a:schemeClr val="bg1"/>
+                </a:solidFill>
+              </a:rPr>
+              <a:t>application/vnd.github.v3+json</a:t>
+            </a:r>
+          </a:p>
+        </p:txBody>
+      </p:sp>
+      <p:sp>
+        <p:nvSpPr>
+          <p:cNvPr id="6" name="TextBox 5"/>
+          <p:cNvSpPr txBox="1"/>
+          <p:nvPr/>
+        </p:nvSpPr>
+        <p:spPr>
+          <a:xfrm>
+            <a:off x="0" y="0"/>
+            <a:ext cx="3581400" cy="523220"/>
+          </a:xfrm>
+          <a:prstGeom prst="rect">
+            <a:avLst/>
+          </a:prstGeom>
+          <a:noFill/>
+        </p:spPr>
+        <p:txBody>
+          <a:bodyPr wrap="square" rtlCol="0">
+            <a:spAutoFit/>
+          </a:bodyPr>
+          <a:lstStyle/>
+          <a:p>
+            <a:r>
+              <a:rPr lang="en-US" sz="2800" i="1" dirty="0" smtClean="0">
+                <a:solidFill>
+                  <a:srgbClr val="02A9F7"/>
+                </a:solidFill>
+              </a:rPr>
+              <a:t>Compatible</a:t>
+            </a:r>
+            <a:endParaRPr lang="en-US" sz="2800" i="1" dirty="0">
+              <a:solidFill>
+                <a:srgbClr val="02A9F7"/>
+              </a:solidFill>
+            </a:endParaRPr>
+          </a:p>
+        </p:txBody>
+      </p:sp>
+      <p:sp>
+        <p:nvSpPr>
+          <p:cNvPr id="7" name="TextBox 6"/>
+          <p:cNvSpPr txBox="1"/>
+          <p:nvPr/>
+        </p:nvSpPr>
+        <p:spPr>
+          <a:xfrm>
+            <a:off x="7315200" y="5334001"/>
+            <a:ext cx="4876800" cy="1524000"/>
+          </a:xfrm>
+          <a:prstGeom prst="rect">
+            <a:avLst/>
+          </a:prstGeom>
+          <a:solidFill>
+            <a:schemeClr val="accent5">
+              <a:lumMod val="20000"/>
+              <a:lumOff val="80000"/>
+            </a:schemeClr>
+          </a:solidFill>
+        </p:spPr>
+        <p:txBody>
+          <a:bodyPr wrap="square" rtlCol="0">
+            <a:noAutofit/>
+          </a:bodyPr>
+          <a:lstStyle>
+            <a:defPPr>
+              <a:defRPr lang="en-US"/>
+            </a:defPPr>
+            <a:lvl1pPr>
+              <a:defRPr sz="2400" i="1">
+                <a:solidFill>
+                  <a:srgbClr val="FFC000"/>
+                </a:solidFill>
+              </a:defRPr>
+            </a:lvl1pPr>
+          </a:lstStyle>
+          <a:p>
+            <a:r>
+              <a:rPr lang="en-US" dirty="0"/>
+              <a:t>Consumer’s </a:t>
+            </a:r>
+            <a:r>
+              <a:rPr lang="en-US" dirty="0" smtClean="0"/>
+              <a:t>effort</a:t>
+            </a:r>
+            <a:br>
+              <a:rPr lang="en-US" dirty="0" smtClean="0"/>
+            </a:br>
+            <a:r>
+              <a:rPr lang="en-US" dirty="0" smtClean="0"/>
+              <a:t>Not calling directly from browser</a:t>
+            </a:r>
+          </a:p>
+          <a:p>
+            <a:r>
+              <a:rPr lang="en-US" dirty="0" smtClean="0"/>
+              <a:t>Not easy to test</a:t>
+            </a:r>
+            <a:endParaRPr lang="en-US" dirty="0"/>
+          </a:p>
+        </p:txBody>
+      </p:sp>
+    </p:spTree>
+    <p:extLst>
+      <p:ext uri="{BB962C8B-B14F-4D97-AF65-F5344CB8AC3E}">
+        <p14:creationId xmlns:p14="http://schemas.microsoft.com/office/powerpoint/2010/main" val="1762322814"/>
+      </p:ext>
+    </p:extLst>
+  </p:cSld>
+  <p:clrMapOvr>
+    <a:masterClrMapping/>
+  </p:clrMapOvr>
+  <p:timing>
+    <p:tnLst>
+      <p:par>
+        <p:cTn id="1" dur="indefinite" restart="never" nodeType="tmRoot"/>
+      </p:par>
+    </p:tnLst>
+  </p:timing>
+</p:sld>
+</file>
+
+<file path=ppt/slides/slide12.xml><?xml version="1.0" encoding="utf-8"?>
+<p:sld xmlns:a="http://schemas.openxmlformats.org/drawingml/2006/main" xmlns:r="http://schemas.openxmlformats.org/officeDocument/2006/relationships" xmlns:p="http://schemas.openxmlformats.org/presentationml/2006/main" showMasterSp="0">
+  <p:cSld>
+    <p:spTree>
+      <p:nvGrpSpPr>
+        <p:cNvPr id="1" name=""/>
+        <p:cNvGrpSpPr/>
+        <p:nvPr/>
+      </p:nvGrpSpPr>
+      <p:grpSpPr>
+        <a:xfrm>
+          <a:off x="0" y="0"/>
+          <a:ext cx="0" cy="0"/>
+          <a:chOff x="0" y="0"/>
+          <a:chExt cx="0" cy="0"/>
+        </a:xfrm>
+      </p:grpSpPr>
+      <p:pic>
+        <p:nvPicPr>
+          <p:cNvPr id="4" name="Picture 3"/>
+          <p:cNvPicPr>
+            <a:picLocks noChangeAspect="1"/>
+          </p:cNvPicPr>
+          <p:nvPr/>
+        </p:nvPicPr>
+        <p:blipFill rotWithShape="1">
+          <a:blip r:embed="rId3">
+            <a:extLst>
+              <a:ext uri="{28A0092B-C50C-407E-A947-70E740481C1C}">
+                <a14:useLocalDpi xmlns:a14="http://schemas.microsoft.com/office/drawing/2010/main" val="0"/>
+              </a:ext>
+            </a:extLst>
+          </a:blip>
+          <a:srcRect r="772"/>
+          <a:stretch/>
+        </p:blipFill>
+        <p:spPr>
+          <a:xfrm>
+            <a:off x="0" y="1447800"/>
+            <a:ext cx="12192000" cy="5169514"/>
+          </a:xfrm>
+          <a:prstGeom prst="rect">
+            <a:avLst/>
+          </a:prstGeom>
+        </p:spPr>
+      </p:pic>
+      <p:sp>
+        <p:nvSpPr>
+          <p:cNvPr id="6" name="TextBox 5"/>
+          <p:cNvSpPr txBox="1"/>
+          <p:nvPr/>
+        </p:nvSpPr>
+        <p:spPr>
+          <a:xfrm flipH="1">
+            <a:off x="0" y="642068"/>
+            <a:ext cx="4114800" cy="430887"/>
+          </a:xfrm>
+          <a:prstGeom prst="rect">
+            <a:avLst/>
+          </a:prstGeom>
+          <a:solidFill>
+            <a:srgbClr val="02A9F7"/>
+          </a:solidFill>
+        </p:spPr>
+        <p:txBody>
+          <a:bodyPr wrap="square" rtlCol="0">
+            <a:spAutoFit/>
+          </a:bodyPr>
+          <a:lstStyle/>
+          <a:p>
+            <a:pPr lvl="2"/>
+            <a:r>
+              <a:rPr lang="en-US" sz="2200" dirty="0"/>
+              <a:t>Continuous versioning</a:t>
+            </a:r>
+          </a:p>
+        </p:txBody>
+      </p:sp>
+      <p:sp>
+        <p:nvSpPr>
+          <p:cNvPr id="5" name="TextBox 4"/>
+          <p:cNvSpPr txBox="1"/>
+          <p:nvPr/>
+        </p:nvSpPr>
+        <p:spPr>
+          <a:xfrm>
+            <a:off x="0" y="0"/>
+            <a:ext cx="2819400" cy="523220"/>
+          </a:xfrm>
+          <a:prstGeom prst="rect">
+            <a:avLst/>
+          </a:prstGeom>
+          <a:noFill/>
+        </p:spPr>
+        <p:txBody>
+          <a:bodyPr wrap="square" rtlCol="0">
+            <a:spAutoFit/>
+          </a:bodyPr>
+          <a:lstStyle/>
+          <a:p>
+            <a:r>
+              <a:rPr lang="en-US" sz="2800" i="1" dirty="0" smtClean="0">
+                <a:solidFill>
+                  <a:srgbClr val="02A9F7"/>
+                </a:solidFill>
+              </a:rPr>
+              <a:t>Compatible</a:t>
+            </a:r>
+            <a:endParaRPr lang="en-US" sz="2800" i="1" dirty="0">
+              <a:solidFill>
+                <a:srgbClr val="02A9F7"/>
+              </a:solidFill>
+            </a:endParaRPr>
+          </a:p>
+        </p:txBody>
+      </p:sp>
+      <p:sp>
+        <p:nvSpPr>
+          <p:cNvPr id="2" name="TextBox 1"/>
+          <p:cNvSpPr txBox="1"/>
+          <p:nvPr/>
+        </p:nvSpPr>
+        <p:spPr>
+          <a:xfrm>
+            <a:off x="8305801" y="4953000"/>
+            <a:ext cx="3886200" cy="842665"/>
+          </a:xfrm>
+          <a:prstGeom prst="rect">
+            <a:avLst/>
+          </a:prstGeom>
+          <a:solidFill>
+            <a:schemeClr val="accent5">
+              <a:lumMod val="20000"/>
+              <a:lumOff val="80000"/>
+            </a:schemeClr>
+          </a:solidFill>
+        </p:spPr>
+        <p:txBody>
+          <a:bodyPr wrap="square" rtlCol="0" anchor="ctr">
+            <a:noAutofit/>
+          </a:bodyPr>
+          <a:lstStyle/>
+          <a:p>
+            <a:r>
+              <a:rPr lang="en-US" sz="2400" i="1" dirty="0">
+                <a:solidFill>
+                  <a:srgbClr val="FFC000"/>
+                </a:solidFill>
+              </a:rPr>
+              <a:t>Engineering</a:t>
+            </a:r>
+            <a:r>
+              <a:rPr lang="en-US" dirty="0" smtClean="0"/>
+              <a:t> </a:t>
+            </a:r>
+            <a:r>
+              <a:rPr lang="en-US" sz="2400" i="1" dirty="0" smtClean="0">
+                <a:solidFill>
+                  <a:srgbClr val="FFC000"/>
+                </a:solidFill>
+              </a:rPr>
+              <a:t>awareness</a:t>
+            </a:r>
+            <a:endParaRPr lang="en-US" sz="2400" i="1" dirty="0">
+              <a:solidFill>
+                <a:srgbClr val="FFC000"/>
+              </a:solidFill>
+            </a:endParaRPr>
+          </a:p>
+        </p:txBody>
+      </p:sp>
+    </p:spTree>
+    <p:extLst>
+      <p:ext uri="{BB962C8B-B14F-4D97-AF65-F5344CB8AC3E}">
+        <p14:creationId xmlns:p14="http://schemas.microsoft.com/office/powerpoint/2010/main" val="29991770"/>
+      </p:ext>
+    </p:extLst>
+  </p:cSld>
+  <p:clrMapOvr>
+    <a:masterClrMapping/>
+  </p:clrMapOvr>
+  <p:timing>
+    <p:tnLst>
+      <p:par>
+        <p:cTn id="1" dur="indefinite" restart="never" nodeType="tmRoot"/>
+      </p:par>
+    </p:tnLst>
+  </p:timing>
+</p:sld>
+</file>
+
+<file path=ppt/slides/slide13.xml><?xml version="1.0" encoding="utf-8"?>
 <p:sld xmlns:a="http://schemas.openxmlformats.org/drawingml/2006/main" xmlns:r="http://schemas.openxmlformats.org/officeDocument/2006/relationships" xmlns:p="http://schemas.openxmlformats.org/presentationml/2006/main">
   <p:cSld>
     <p:spTree>
@@ -3783,7 +4880,7 @@
 </p:sld>
 </file>
 
-<file path=ppt/slides/slide11.xml><?xml version="1.0" encoding="utf-8"?>
+<file path=ppt/slides/slide2.xml><?xml version="1.0" encoding="utf-8"?>
 <p:sld xmlns:a="http://schemas.openxmlformats.org/drawingml/2006/main" xmlns:r="http://schemas.openxmlformats.org/officeDocument/2006/relationships" xmlns:p="http://schemas.openxmlformats.org/presentationml/2006/main">
   <p:cSld>
     <p:spTree>
@@ -4028,7 +5125,7 @@
     </p:spTree>
     <p:extLst>
       <p:ext uri="{BB962C8B-B14F-4D97-AF65-F5344CB8AC3E}">
-        <p14:creationId xmlns:p14="http://schemas.microsoft.com/office/powerpoint/2010/main" val="4159864175"/>
+        <p14:creationId xmlns:p14="http://schemas.microsoft.com/office/powerpoint/2010/main" val="3433153125"/>
       </p:ext>
     </p:extLst>
   </p:cSld>
@@ -4045,7 +5142,7 @@
 </p:sld>
 </file>
 
-<file path=ppt/slides/slide12.xml><?xml version="1.0" encoding="utf-8"?>
+<file path=ppt/slides/slide3.xml><?xml version="1.0" encoding="utf-8"?>
 <p:sld xmlns:a="http://schemas.openxmlformats.org/drawingml/2006/main" xmlns:r="http://schemas.openxmlformats.org/officeDocument/2006/relationships" xmlns:p="http://schemas.openxmlformats.org/presentationml/2006/main">
   <p:cSld>
     <p:spTree>
@@ -4220,40 +5317,79 @@
           </a:prstGeom>
         </p:spPr>
       </p:pic>
-      <p:pic>
-        <p:nvPicPr>
-          <p:cNvPr id="2" name="Picture 1"/>
-          <p:cNvPicPr>
-            <a:picLocks noChangeAspect="1"/>
-          </p:cNvPicPr>
+      <p:grpSp>
+        <p:nvGrpSpPr>
+          <p:cNvPr id="7" name="Group 6"/>
+          <p:cNvGrpSpPr/>
           <p:nvPr/>
-        </p:nvPicPr>
-        <p:blipFill>
-          <a:blip r:embed="rId3">
-            <a:extLst>
-              <a:ext uri="{28A0092B-C50C-407E-A947-70E740481C1C}">
-                <a14:useLocalDpi xmlns:a14="http://schemas.microsoft.com/office/drawing/2010/main" val="0"/>
-              </a:ext>
-            </a:extLst>
-          </a:blip>
-          <a:stretch>
-            <a:fillRect/>
-          </a:stretch>
-        </p:blipFill>
-        <p:spPr>
+        </p:nvGrpSpPr>
+        <p:grpSpPr>
           <a:xfrm>
-            <a:off x="7924800" y="1580465"/>
-            <a:ext cx="1091827" cy="3615791"/>
-          </a:xfrm>
-          <a:prstGeom prst="rect">
-            <a:avLst/>
-          </a:prstGeom>
-        </p:spPr>
-      </p:pic>
+            <a:off x="5758027" y="2676030"/>
+            <a:ext cx="6364826" cy="3742969"/>
+            <a:chOff x="5758027" y="2669379"/>
+            <a:chExt cx="6364826" cy="3742969"/>
+          </a:xfrm>
+        </p:grpSpPr>
+        <p:pic>
+          <p:nvPicPr>
+            <p:cNvPr id="2" name="Picture 1"/>
+            <p:cNvPicPr>
+              <a:picLocks noChangeAspect="1"/>
+            </p:cNvPicPr>
+            <p:nvPr/>
+          </p:nvPicPr>
+          <p:blipFill>
+            <a:blip r:embed="rId3">
+              <a:extLst>
+                <a:ext uri="{28A0092B-C50C-407E-A947-70E740481C1C}">
+                  <a14:useLocalDpi xmlns:a14="http://schemas.microsoft.com/office/drawing/2010/main" val="0"/>
+                </a:ext>
+              </a:extLst>
+            </a:blip>
+            <a:stretch>
+              <a:fillRect/>
+            </a:stretch>
+          </p:blipFill>
+          <p:spPr>
+            <a:xfrm>
+              <a:off x="5758027" y="2669379"/>
+              <a:ext cx="1091827" cy="3615791"/>
+            </a:xfrm>
+            <a:prstGeom prst="rect">
+              <a:avLst/>
+            </a:prstGeom>
+          </p:spPr>
+        </p:pic>
+        <p:pic>
+          <p:nvPicPr>
+            <p:cNvPr id="3" name="Picture 2"/>
+            <p:cNvPicPr>
+              <a:picLocks noChangeAspect="1"/>
+            </p:cNvPicPr>
+            <p:nvPr/>
+          </p:nvPicPr>
+          <p:blipFill>
+            <a:blip r:embed="rId4"/>
+            <a:stretch>
+              <a:fillRect/>
+            </a:stretch>
+          </p:blipFill>
+          <p:spPr>
+            <a:xfrm>
+              <a:off x="6867297" y="2670297"/>
+              <a:ext cx="5255556" cy="3742051"/>
+            </a:xfrm>
+            <a:prstGeom prst="rect">
+              <a:avLst/>
+            </a:prstGeom>
+          </p:spPr>
+        </p:pic>
+      </p:grpSp>
     </p:spTree>
     <p:extLst>
       <p:ext uri="{BB962C8B-B14F-4D97-AF65-F5344CB8AC3E}">
-        <p14:creationId xmlns:p14="http://schemas.microsoft.com/office/powerpoint/2010/main" val="1746992413"/>
+        <p14:creationId xmlns:p14="http://schemas.microsoft.com/office/powerpoint/2010/main" val="3075756265"/>
       </p:ext>
     </p:extLst>
   </p:cSld>
@@ -4351,6 +5487,22 @@
                                       </p:tavLst>
                                     </p:anim>
                                   </p:childTnLst>
+                                  <p:subTnLst>
+                                    <p:set>
+                                      <p:cBhvr override="childStyle">
+                                        <p:cTn dur="1" fill="hold" display="0" masterRel="nextClick" afterEffect="1"/>
+                                        <p:tgtEl>
+                                          <p:spTgt spid="6"/>
+                                        </p:tgtEl>
+                                        <p:attrNameLst>
+                                          <p:attrName>style.visibility</p:attrName>
+                                        </p:attrNameLst>
+                                      </p:cBhvr>
+                                      <p:to>
+                                        <p:strVal val="hidden"/>
+                                      </p:to>
+                                    </p:set>
+                                  </p:subTnLst>
                                 </p:cTn>
                               </p:par>
                             </p:childTnLst>
@@ -4372,7 +5524,7 @@
                             </p:stCondLst>
                             <p:childTnLst>
                               <p:par>
-                                <p:cTn id="11" presetID="16" presetClass="entr" presetSubtype="21" fill="hold" nodeType="clickEffect">
+                                <p:cTn id="11" presetID="22" presetClass="entr" presetSubtype="4" fill="hold" nodeType="clickEffect">
                                   <p:stCondLst>
                                     <p:cond delay="0"/>
                                   </p:stCondLst>
@@ -4385,7 +5537,7 @@
                                           </p:stCondLst>
                                         </p:cTn>
                                         <p:tgtEl>
-                                          <p:spTgt spid="2"/>
+                                          <p:spTgt spid="7"/>
                                         </p:tgtEl>
                                         <p:attrNameLst>
                                           <p:attrName>style.visibility</p:attrName>
@@ -4395,11 +5547,11 @@
                                         <p:strVal val="visible"/>
                                       </p:to>
                                     </p:set>
-                                    <p:animEffect transition="in" filter="barn(inVertical)">
+                                    <p:animEffect transition="in" filter="wipe(down)">
                                       <p:cBhvr>
                                         <p:cTn id="13" dur="500"/>
                                         <p:tgtEl>
-                                          <p:spTgt spid="2"/>
+                                          <p:spTgt spid="7"/>
                                         </p:tgtEl>
                                       </p:cBhvr>
                                     </p:animEffect>
@@ -4437,7 +5589,7 @@
 </p:sld>
 </file>
 
-<file path=ppt/slides/slide13.xml><?xml version="1.0" encoding="utf-8"?>
+<file path=ppt/slides/slide4.xml><?xml version="1.0" encoding="utf-8"?>
 <p:sld xmlns:a="http://schemas.openxmlformats.org/drawingml/2006/main" xmlns:r="http://schemas.openxmlformats.org/officeDocument/2006/relationships" xmlns:p="http://schemas.openxmlformats.org/presentationml/2006/main">
   <p:cSld>
     <p:spTree>
@@ -4482,30 +5634,6 @@
           </a:p>
         </p:txBody>
       </p:sp>
-      <p:pic>
-        <p:nvPicPr>
-          <p:cNvPr id="5" name="Picture 4"/>
-          <p:cNvPicPr>
-            <a:picLocks noChangeAspect="1"/>
-          </p:cNvPicPr>
-          <p:nvPr/>
-        </p:nvPicPr>
-        <p:blipFill>
-          <a:blip r:embed="rId2"/>
-          <a:stretch>
-            <a:fillRect/>
-          </a:stretch>
-        </p:blipFill>
-        <p:spPr>
-          <a:xfrm>
-            <a:off x="5181600" y="822678"/>
-            <a:ext cx="6781799" cy="5710498"/>
-          </a:xfrm>
-          <a:prstGeom prst="rect">
-            <a:avLst/>
-          </a:prstGeom>
-        </p:spPr>
-      </p:pic>
       <p:sp>
         <p:nvSpPr>
           <p:cNvPr id="6" name="Rectangle 5"/>
@@ -4539,7 +5667,7 @@
       </p:sp>
       <p:pic>
         <p:nvPicPr>
-          <p:cNvPr id="27" name="Picture 26"/>
+          <p:cNvPr id="2" name="Picture 1"/>
           <p:cNvPicPr>
             <a:picLocks noChangeAspect="1"/>
           </p:cNvPicPr>
@@ -4553,18 +5681,154 @@
         </p:blipFill>
         <p:spPr>
           <a:xfrm>
-            <a:off x="76200" y="1828800"/>
-            <a:ext cx="5498531" cy="2819400"/>
+            <a:off x="4114800" y="871504"/>
+            <a:ext cx="7887653" cy="2352675"/>
           </a:xfrm>
           <a:prstGeom prst="rect">
             <a:avLst/>
           </a:prstGeom>
         </p:spPr>
       </p:pic>
+      <p:pic>
+        <p:nvPicPr>
+          <p:cNvPr id="27" name="Picture 26"/>
+          <p:cNvPicPr>
+            <a:picLocks noChangeAspect="1"/>
+          </p:cNvPicPr>
+          <p:nvPr/>
+        </p:nvPicPr>
+        <p:blipFill>
+          <a:blip r:embed="rId5"/>
+          <a:stretch>
+            <a:fillRect/>
+          </a:stretch>
+        </p:blipFill>
+        <p:spPr>
+          <a:xfrm>
+            <a:off x="152400" y="3327042"/>
+            <a:ext cx="5498531" cy="2819400"/>
+          </a:xfrm>
+          <a:prstGeom prst="rect">
+            <a:avLst/>
+          </a:prstGeom>
+        </p:spPr>
+      </p:pic>
+      <p:sp>
+        <p:nvSpPr>
+          <p:cNvPr id="3" name="TextBox 2"/>
+          <p:cNvSpPr txBox="1"/>
+          <p:nvPr/>
+        </p:nvSpPr>
+        <p:spPr>
+          <a:xfrm>
+            <a:off x="6069376" y="3286821"/>
+            <a:ext cx="5276063" cy="2246769"/>
+          </a:xfrm>
+          <a:prstGeom prst="rect">
+            <a:avLst/>
+          </a:prstGeom>
+          <a:noFill/>
+        </p:spPr>
+        <p:txBody>
+          <a:bodyPr wrap="square" rtlCol="0">
+            <a:spAutoFit/>
+          </a:bodyPr>
+          <a:lstStyle/>
+          <a:p>
+            <a:r>
+              <a:rPr lang="en-US" sz="2800" dirty="0" err="1" smtClean="0"/>
+              <a:t>BookDetail</a:t>
+            </a:r>
+            <a:r>
+              <a:rPr lang="en-US" sz="2800" dirty="0" smtClean="0"/>
+              <a:t> </a:t>
+            </a:r>
+            <a:r>
+              <a:rPr lang="en-US" sz="2800" dirty="0" smtClean="0">
+                <a:sym typeface="Wingdings" panose="05000000000000000000" pitchFamily="2" charset="2"/>
+              </a:rPr>
+              <a:t> </a:t>
+            </a:r>
+            <a:r>
+              <a:rPr lang="en-US" sz="2800" dirty="0" err="1" smtClean="0"/>
+              <a:t>BookDetailDto</a:t>
+            </a:r>
+            <a:endParaRPr lang="en-US" sz="2800" dirty="0" smtClean="0"/>
+          </a:p>
+          <a:p>
+            <a:r>
+              <a:rPr lang="en-US" sz="2800" dirty="0" err="1" smtClean="0"/>
+              <a:t>Commnent</a:t>
+            </a:r>
+            <a:r>
+              <a:rPr lang="en-US" sz="2800" dirty="0" smtClean="0"/>
+              <a:t> </a:t>
+            </a:r>
+            <a:r>
+              <a:rPr lang="en-US" sz="2800" dirty="0" smtClean="0">
+                <a:sym typeface="Wingdings" panose="05000000000000000000" pitchFamily="2" charset="2"/>
+              </a:rPr>
+              <a:t> </a:t>
+            </a:r>
+            <a:r>
+              <a:rPr lang="en-US" sz="2800" dirty="0" err="1" smtClean="0">
+                <a:sym typeface="Wingdings" panose="05000000000000000000" pitchFamily="2" charset="2"/>
+              </a:rPr>
+              <a:t>CommentDto</a:t>
+            </a:r>
+            <a:endParaRPr lang="en-US" sz="2800" dirty="0" smtClean="0">
+              <a:sym typeface="Wingdings" panose="05000000000000000000" pitchFamily="2" charset="2"/>
+            </a:endParaRPr>
+          </a:p>
+          <a:p>
+            <a:r>
+              <a:rPr lang="en-US" sz="2800" dirty="0" smtClean="0">
+                <a:sym typeface="Wingdings" panose="05000000000000000000" pitchFamily="2" charset="2"/>
+              </a:rPr>
+              <a:t>Tag  </a:t>
+            </a:r>
+            <a:r>
+              <a:rPr lang="en-US" sz="2800" dirty="0" err="1" smtClean="0">
+                <a:sym typeface="Wingdings" panose="05000000000000000000" pitchFamily="2" charset="2"/>
+              </a:rPr>
+              <a:t>TagDto</a:t>
+            </a:r>
+            <a:endParaRPr lang="en-US" sz="2800" dirty="0" smtClean="0">
+              <a:sym typeface="Wingdings" panose="05000000000000000000" pitchFamily="2" charset="2"/>
+            </a:endParaRPr>
+          </a:p>
+          <a:p>
+            <a:r>
+              <a:rPr lang="en-US" sz="2800" dirty="0" smtClean="0">
+                <a:sym typeface="Wingdings" panose="05000000000000000000" pitchFamily="2" charset="2"/>
+              </a:rPr>
+              <a:t>User  </a:t>
+            </a:r>
+            <a:r>
+              <a:rPr lang="en-US" sz="2800" dirty="0" err="1" smtClean="0">
+                <a:sym typeface="Wingdings" panose="05000000000000000000" pitchFamily="2" charset="2"/>
+              </a:rPr>
+              <a:t>UserDto</a:t>
+            </a:r>
+            <a:endParaRPr lang="en-US" sz="2800" dirty="0" smtClean="0">
+              <a:sym typeface="Wingdings" panose="05000000000000000000" pitchFamily="2" charset="2"/>
+            </a:endParaRPr>
+          </a:p>
+          <a:p>
+            <a:r>
+              <a:rPr lang="en-US" sz="2800" dirty="0" smtClean="0">
+                <a:sym typeface="Wingdings" panose="05000000000000000000" pitchFamily="2" charset="2"/>
+              </a:rPr>
+              <a:t>…..</a:t>
+            </a:r>
+            <a:endParaRPr lang="en-US" sz="2800" dirty="0"/>
+          </a:p>
+        </p:txBody>
+      </p:sp>
     </p:spTree>
     <p:extLst>
       <p:ext uri="{BB962C8B-B14F-4D97-AF65-F5344CB8AC3E}">
-        <p14:creationId xmlns:p14="http://schemas.microsoft.com/office/powerpoint/2010/main" val="1049373435"/>
+        <p14:creationId xmlns:p14="http://schemas.microsoft.com/office/powerpoint/2010/main" val="1699609830"/>
       </p:ext>
     </p:extLst>
   </p:cSld>
@@ -4695,122 +5959,7 @@
 </p:sld>
 </file>
 
-<file path=ppt/slides/slide14.xml><?xml version="1.0" encoding="utf-8"?>
-<p:sld xmlns:a="http://schemas.openxmlformats.org/drawingml/2006/main" xmlns:r="http://schemas.openxmlformats.org/officeDocument/2006/relationships" xmlns:p="http://schemas.openxmlformats.org/presentationml/2006/main">
-  <p:cSld>
-    <p:spTree>
-      <p:nvGrpSpPr>
-        <p:cNvPr id="1" name=""/>
-        <p:cNvGrpSpPr/>
-        <p:nvPr/>
-      </p:nvGrpSpPr>
-      <p:grpSpPr>
-        <a:xfrm>
-          <a:off x="0" y="0"/>
-          <a:ext cx="0" cy="0"/>
-          <a:chOff x="0" y="0"/>
-          <a:chExt cx="0" cy="0"/>
-        </a:xfrm>
-      </p:grpSpPr>
-      <p:sp>
-        <p:nvSpPr>
-          <p:cNvPr id="4" name="Title 3"/>
-          <p:cNvSpPr>
-            <a:spLocks noGrp="1"/>
-          </p:cNvSpPr>
-          <p:nvPr>
-            <p:ph type="title"/>
-          </p:nvPr>
-        </p:nvSpPr>
-        <p:spPr/>
-        <p:txBody>
-          <a:bodyPr>
-            <a:normAutofit fontScale="90000"/>
-          </a:bodyPr>
-          <a:lstStyle/>
-          <a:p>
-            <a:r>
-              <a:rPr lang="en-US" dirty="0" smtClean="0"/>
-              <a:t>V2: </a:t>
-            </a:r>
-            <a:r>
-              <a:rPr lang="en-US" dirty="0" err="1" smtClean="0"/>
-              <a:t>Graphql</a:t>
-            </a:r>
-            <a:r>
-              <a:rPr lang="en-US" dirty="0" smtClean="0"/>
-              <a:t>, Versioning, Lombok &amp; </a:t>
-            </a:r>
-            <a:r>
-              <a:rPr lang="en-US" dirty="0" err="1" smtClean="0"/>
-              <a:t>Mapstruct</a:t>
-            </a:r>
-            <a:endParaRPr lang="en-US" dirty="0"/>
-          </a:p>
-        </p:txBody>
-      </p:sp>
-      <p:pic>
-        <p:nvPicPr>
-          <p:cNvPr id="1026" name="Picture 2" descr="Image result for Bonus payment"/>
-          <p:cNvPicPr>
-            <a:picLocks noChangeAspect="1" noChangeArrowheads="1"/>
-          </p:cNvPicPr>
-          <p:nvPr/>
-        </p:nvPicPr>
-        <p:blipFill>
-          <a:blip r:embed="rId2">
-            <a:extLst>
-              <a:ext uri="{28A0092B-C50C-407E-A947-70E740481C1C}">
-                <a14:useLocalDpi xmlns:a14="http://schemas.microsoft.com/office/drawing/2010/main" val="0"/>
-              </a:ext>
-            </a:extLst>
-          </a:blip>
-          <a:srcRect/>
-          <a:stretch>
-            <a:fillRect/>
-          </a:stretch>
-        </p:blipFill>
-        <p:spPr bwMode="auto">
-          <a:xfrm>
-            <a:off x="1447800" y="1295400"/>
-            <a:ext cx="5562600" cy="3337561"/>
-          </a:xfrm>
-          <a:prstGeom prst="rect">
-            <a:avLst/>
-          </a:prstGeom>
-          <a:noFill/>
-          <a:extLst>
-            <a:ext uri="{909E8E84-426E-40DD-AFC4-6F175D3DCCD1}">
-              <a14:hiddenFill xmlns:a14="http://schemas.microsoft.com/office/drawing/2010/main">
-                <a:solidFill>
-                  <a:srgbClr val="FFFFFF"/>
-                </a:solidFill>
-              </a14:hiddenFill>
-            </a:ext>
-          </a:extLst>
-        </p:spPr>
-      </p:pic>
-    </p:spTree>
-    <p:extLst>
-      <p:ext uri="{BB962C8B-B14F-4D97-AF65-F5344CB8AC3E}">
-        <p14:creationId xmlns:p14="http://schemas.microsoft.com/office/powerpoint/2010/main" val="1256162141"/>
-      </p:ext>
-    </p:extLst>
-  </p:cSld>
-  <p:clrMapOvr>
-    <a:masterClrMapping/>
-  </p:clrMapOvr>
-  <p:timing>
-    <p:tnLst>
-      <p:par>
-        <p:cTn id="1" dur="indefinite" restart="never" nodeType="tmRoot"/>
-      </p:par>
-    </p:tnLst>
-  </p:timing>
-</p:sld>
-</file>
-
-<file path=ppt/slides/slide2.xml><?xml version="1.0" encoding="utf-8"?>
+<file path=ppt/slides/slide5.xml><?xml version="1.0" encoding="utf-8"?>
 <p:sld xmlns:a="http://schemas.openxmlformats.org/drawingml/2006/main" xmlns:r="http://schemas.openxmlformats.org/officeDocument/2006/relationships" xmlns:p="http://schemas.openxmlformats.org/presentationml/2006/main">
   <p:cSld>
     <p:spTree>
@@ -5207,7 +6356,7 @@
 </p:sld>
 </file>
 
-<file path=ppt/slides/slide3.xml><?xml version="1.0" encoding="utf-8"?>
+<file path=ppt/slides/slide6.xml><?xml version="1.0" encoding="utf-8"?>
 <p:sld xmlns:a="http://schemas.openxmlformats.org/drawingml/2006/main" xmlns:r="http://schemas.openxmlformats.org/officeDocument/2006/relationships" xmlns:p="http://schemas.openxmlformats.org/presentationml/2006/main">
   <p:cSld>
     <p:spTree>
@@ -5297,7 +6446,7 @@
 </p:sld>
 </file>
 
-<file path=ppt/slides/slide4.xml><?xml version="1.0" encoding="utf-8"?>
+<file path=ppt/slides/slide7.xml><?xml version="1.0" encoding="utf-8"?>
 <p:sld xmlns:a="http://schemas.openxmlformats.org/drawingml/2006/main" xmlns:r="http://schemas.openxmlformats.org/officeDocument/2006/relationships" xmlns:p="http://schemas.openxmlformats.org/presentationml/2006/main" showMasterSp="0">
   <p:cSld>
     <p:spTree>
@@ -5336,7 +6485,7 @@
         </p:blipFill>
         <p:spPr>
           <a:xfrm>
-            <a:off x="304800" y="196597"/>
+            <a:off x="0" y="196597"/>
             <a:ext cx="12138598" cy="6582158"/>
           </a:xfrm>
           <a:prstGeom prst="rect">
@@ -5454,30 +6603,6 @@
           </a:fontRef>
         </p:style>
       </p:cxnSp>
-      <p:pic>
-        <p:nvPicPr>
-          <p:cNvPr id="8" name="Picture 7"/>
-          <p:cNvPicPr>
-            <a:picLocks noChangeAspect="1"/>
-          </p:cNvPicPr>
-          <p:nvPr/>
-        </p:nvPicPr>
-        <p:blipFill>
-          <a:blip r:embed="rId4"/>
-          <a:stretch>
-            <a:fillRect/>
-          </a:stretch>
-        </p:blipFill>
-        <p:spPr>
-          <a:xfrm>
-            <a:off x="9067800" y="469127"/>
-            <a:ext cx="2510006" cy="4486275"/>
-          </a:xfrm>
-          <a:prstGeom prst="rect">
-            <a:avLst/>
-          </a:prstGeom>
-        </p:spPr>
-      </p:pic>
       <p:cxnSp>
         <p:nvCxnSpPr>
           <p:cNvPr id="10" name="Straight Arrow Connector 9"/>
@@ -5485,45 +6610,9 @@
           <p:nvPr/>
         </p:nvCxnSpPr>
         <p:spPr>
-          <a:xfrm flipV="1">
-            <a:off x="6477000" y="1406387"/>
-            <a:ext cx="2438400" cy="1"/>
-          </a:xfrm>
-          <a:prstGeom prst="straightConnector1">
-            <a:avLst/>
-          </a:prstGeom>
-          <a:ln w="38100">
-            <a:solidFill>
-              <a:srgbClr val="FF0000"/>
-            </a:solidFill>
-            <a:tailEnd type="triangle"/>
-          </a:ln>
-        </p:spPr>
-        <p:style>
-          <a:lnRef idx="1">
-            <a:schemeClr val="accent1"/>
-          </a:lnRef>
-          <a:fillRef idx="0">
-            <a:schemeClr val="accent1"/>
-          </a:fillRef>
-          <a:effectRef idx="0">
-            <a:schemeClr val="accent1"/>
-          </a:effectRef>
-          <a:fontRef idx="minor">
-            <a:schemeClr val="tx1"/>
-          </a:fontRef>
-        </p:style>
-      </p:cxnSp>
-      <p:cxnSp>
-        <p:nvCxnSpPr>
-          <p:cNvPr id="14" name="Straight Arrow Connector 13"/>
-          <p:cNvCxnSpPr/>
-          <p:nvPr/>
-        </p:nvCxnSpPr>
-        <p:spPr>
-          <a:xfrm flipH="1">
-            <a:off x="7848600" y="3810000"/>
-            <a:ext cx="1752600" cy="1752600"/>
+          <a:xfrm>
+            <a:off x="6477000" y="1406389"/>
+            <a:ext cx="2121186" cy="0"/>
           </a:xfrm>
           <a:prstGeom prst="straightConnector1">
             <a:avLst/>
@@ -5560,6 +6649,66 @@
           <a:xfrm flipH="1">
             <a:off x="2590800" y="3048000"/>
             <a:ext cx="990600" cy="1524000"/>
+          </a:xfrm>
+          <a:prstGeom prst="straightConnector1">
+            <a:avLst/>
+          </a:prstGeom>
+          <a:ln w="38100">
+            <a:solidFill>
+              <a:srgbClr val="FF0000"/>
+            </a:solidFill>
+            <a:tailEnd type="triangle"/>
+          </a:ln>
+        </p:spPr>
+        <p:style>
+          <a:lnRef idx="1">
+            <a:schemeClr val="accent1"/>
+          </a:lnRef>
+          <a:fillRef idx="0">
+            <a:schemeClr val="accent1"/>
+          </a:fillRef>
+          <a:effectRef idx="0">
+            <a:schemeClr val="accent1"/>
+          </a:effectRef>
+          <a:fontRef idx="minor">
+            <a:schemeClr val="tx1"/>
+          </a:fontRef>
+        </p:style>
+      </p:cxnSp>
+      <p:pic>
+        <p:nvPicPr>
+          <p:cNvPr id="17" name="Picture 16"/>
+          <p:cNvPicPr>
+            <a:picLocks noChangeAspect="1"/>
+          </p:cNvPicPr>
+          <p:nvPr/>
+        </p:nvPicPr>
+        <p:blipFill>
+          <a:blip r:embed="rId4"/>
+          <a:stretch>
+            <a:fillRect/>
+          </a:stretch>
+        </p:blipFill>
+        <p:spPr>
+          <a:xfrm>
+            <a:off x="8598186" y="644767"/>
+            <a:ext cx="3400425" cy="3733800"/>
+          </a:xfrm>
+          <a:prstGeom prst="rect">
+            <a:avLst/>
+          </a:prstGeom>
+        </p:spPr>
+      </p:pic>
+      <p:cxnSp>
+        <p:nvCxnSpPr>
+          <p:cNvPr id="14" name="Straight Arrow Connector 13"/>
+          <p:cNvCxnSpPr/>
+          <p:nvPr/>
+        </p:nvCxnSpPr>
+        <p:spPr>
+          <a:xfrm flipH="1">
+            <a:off x="7772400" y="3048000"/>
+            <a:ext cx="2209800" cy="2397631"/>
           </a:xfrm>
           <a:prstGeom prst="straightConnector1">
             <a:avLst/>
@@ -5606,7 +6755,7 @@
 </p:sld>
 </file>
 
-<file path=ppt/slides/slide5.xml><?xml version="1.0" encoding="utf-8"?>
+<file path=ppt/slides/slide8.xml><?xml version="1.0" encoding="utf-8"?>
 <p:sld xmlns:a="http://schemas.openxmlformats.org/drawingml/2006/main" xmlns:r="http://schemas.openxmlformats.org/officeDocument/2006/relationships" xmlns:p="http://schemas.openxmlformats.org/presentationml/2006/main" showMasterSp="0">
   <p:cSld>
     <p:spTree>
@@ -5631,8 +6780,8 @@
         </p:nvSpPr>
         <p:spPr>
           <a:xfrm>
-            <a:off x="0" y="457200"/>
-            <a:ext cx="4230344" cy="646331"/>
+            <a:off x="0" y="228600"/>
+            <a:ext cx="5943600" cy="954107"/>
           </a:xfrm>
           <a:prstGeom prst="rect">
             <a:avLst/>
@@ -5648,7 +6797,7 @@
           <a:lstStyle/>
           <a:p>
             <a:r>
-              <a:rPr lang="en-US" dirty="0" smtClean="0">
+              <a:rPr lang="en-US" sz="2800" dirty="0" smtClean="0">
                 <a:solidFill>
                   <a:schemeClr val="accent5">
                     <a:lumMod val="60000"/>
@@ -5658,7 +6807,7 @@
               </a:rPr>
               <a:t>When I try to be naughty and ask for something not on the schema</a:t>
             </a:r>
-            <a:endParaRPr lang="en-US" dirty="0">
+            <a:endParaRPr lang="en-US" sz="2800" dirty="0">
               <a:solidFill>
                 <a:schemeClr val="accent5">
                   <a:lumMod val="60000"/>
@@ -5773,7 +6922,7 @@
 </p:sld>
 </file>
 
-<file path=ppt/slides/slide6.xml><?xml version="1.0" encoding="utf-8"?>
+<file path=ppt/slides/slide9.xml><?xml version="1.0" encoding="utf-8"?>
 <p:sld xmlns:a="http://schemas.openxmlformats.org/drawingml/2006/main" xmlns:r="http://schemas.openxmlformats.org/officeDocument/2006/relationships" xmlns:p="http://schemas.openxmlformats.org/presentationml/2006/main">
   <p:cSld>
     <p:spTree>
@@ -5807,7 +6956,7 @@
           <a:p>
             <a:r>
               <a:rPr lang="en-US" dirty="0" smtClean="0"/>
-              <a:t>Support Multiple API version</a:t>
+              <a:t>Multiple API version</a:t>
             </a:r>
             <a:endParaRPr lang="en-US" dirty="0"/>
           </a:p>
@@ -6295,813 +7444,6 @@
       <p:bldP spid="4" grpId="0"/>
       <p:bldP spid="5" grpId="0"/>
     </p:bldLst>
-  </p:timing>
-</p:sld>
-</file>
-
-<file path=ppt/slides/slide7.xml><?xml version="1.0" encoding="utf-8"?>
-<p:sld xmlns:a="http://schemas.openxmlformats.org/drawingml/2006/main" xmlns:r="http://schemas.openxmlformats.org/officeDocument/2006/relationships" xmlns:p="http://schemas.openxmlformats.org/presentationml/2006/main" showMasterSp="0">
-  <p:cSld>
-    <p:spTree>
-      <p:nvGrpSpPr>
-        <p:cNvPr id="1" name=""/>
-        <p:cNvGrpSpPr/>
-        <p:nvPr/>
-      </p:nvGrpSpPr>
-      <p:grpSpPr>
-        <a:xfrm>
-          <a:off x="0" y="0"/>
-          <a:ext cx="0" cy="0"/>
-          <a:chOff x="0" y="0"/>
-          <a:chExt cx="0" cy="0"/>
-        </a:xfrm>
-      </p:grpSpPr>
-      <p:pic>
-        <p:nvPicPr>
-          <p:cNvPr id="4" name="Picture 3"/>
-          <p:cNvPicPr>
-            <a:picLocks noChangeAspect="1"/>
-          </p:cNvPicPr>
-          <p:nvPr/>
-        </p:nvPicPr>
-        <p:blipFill>
-          <a:blip r:embed="rId3">
-            <a:extLst>
-              <a:ext uri="{28A0092B-C50C-407E-A947-70E740481C1C}">
-                <a14:useLocalDpi xmlns:a14="http://schemas.microsoft.com/office/drawing/2010/main" val="0"/>
-              </a:ext>
-            </a:extLst>
-          </a:blip>
-          <a:stretch>
-            <a:fillRect/>
-          </a:stretch>
-        </p:blipFill>
-        <p:spPr>
-          <a:xfrm>
-            <a:off x="228600" y="468291"/>
-            <a:ext cx="10210800" cy="6237594"/>
-          </a:xfrm>
-          <a:prstGeom prst="rect">
-            <a:avLst/>
-          </a:prstGeom>
-        </p:spPr>
-      </p:pic>
-      <p:sp>
-        <p:nvSpPr>
-          <p:cNvPr id="6" name="TextBox 5"/>
-          <p:cNvSpPr txBox="1"/>
-          <p:nvPr/>
-        </p:nvSpPr>
-        <p:spPr>
-          <a:xfrm>
-            <a:off x="0" y="0"/>
-            <a:ext cx="1981200" cy="461665"/>
-          </a:xfrm>
-          <a:prstGeom prst="rect">
-            <a:avLst/>
-          </a:prstGeom>
-          <a:noFill/>
-        </p:spPr>
-        <p:txBody>
-          <a:bodyPr wrap="square" rtlCol="0">
-            <a:spAutoFit/>
-          </a:bodyPr>
-          <a:lstStyle/>
-          <a:p>
-            <a:r>
-              <a:rPr lang="en-US" sz="2400" i="1" dirty="0">
-                <a:solidFill>
-                  <a:srgbClr val="02A9F7"/>
-                </a:solidFill>
-              </a:rPr>
-              <a:t>Point to point</a:t>
-            </a:r>
-          </a:p>
-        </p:txBody>
-      </p:sp>
-      <p:sp>
-        <p:nvSpPr>
-          <p:cNvPr id="2" name="TextBox 1"/>
-          <p:cNvSpPr txBox="1"/>
-          <p:nvPr/>
-        </p:nvSpPr>
-        <p:spPr>
-          <a:xfrm>
-            <a:off x="6647793" y="5372564"/>
-            <a:ext cx="3791607" cy="1314271"/>
-          </a:xfrm>
-          <a:prstGeom prst="rect">
-            <a:avLst/>
-          </a:prstGeom>
-          <a:solidFill>
-            <a:schemeClr val="accent5">
-              <a:lumMod val="20000"/>
-              <a:lumOff val="80000"/>
-            </a:schemeClr>
-          </a:solidFill>
-        </p:spPr>
-        <p:txBody>
-          <a:bodyPr wrap="square" rtlCol="0">
-            <a:noAutofit/>
-          </a:bodyPr>
-          <a:lstStyle/>
-          <a:p>
-            <a:r>
-              <a:rPr lang="en-US" sz="2400" i="1" dirty="0" smtClean="0">
-                <a:solidFill>
-                  <a:srgbClr val="FFC000"/>
-                </a:solidFill>
-              </a:rPr>
-              <a:t>DevOps</a:t>
-            </a:r>
-            <a:endParaRPr lang="en-US" sz="2400" i="1" dirty="0">
-              <a:solidFill>
-                <a:srgbClr val="FFC000"/>
-              </a:solidFill>
-            </a:endParaRPr>
-          </a:p>
-          <a:p>
-            <a:r>
-              <a:rPr lang="en-US" sz="2400" i="1" dirty="0" smtClean="0">
-                <a:solidFill>
-                  <a:srgbClr val="FFC000"/>
-                </a:solidFill>
-              </a:rPr>
-              <a:t>Footprints</a:t>
-            </a:r>
-          </a:p>
-          <a:p>
-            <a:r>
-              <a:rPr lang="en-US" sz="2400" i="1" dirty="0" smtClean="0">
-                <a:solidFill>
-                  <a:srgbClr val="FFC000"/>
-                </a:solidFill>
-              </a:rPr>
-              <a:t>Maintenance</a:t>
-            </a:r>
-            <a:endParaRPr lang="en-US" sz="2400" i="1" dirty="0">
-              <a:solidFill>
-                <a:srgbClr val="FFC000"/>
-              </a:solidFill>
-            </a:endParaRPr>
-          </a:p>
-        </p:txBody>
-      </p:sp>
-      <p:cxnSp>
-        <p:nvCxnSpPr>
-          <p:cNvPr id="7" name="Straight Arrow Connector 6"/>
-          <p:cNvCxnSpPr/>
-          <p:nvPr/>
-        </p:nvCxnSpPr>
-        <p:spPr>
-          <a:xfrm flipH="1">
-            <a:off x="1447800" y="468291"/>
-            <a:ext cx="685800" cy="141309"/>
-          </a:xfrm>
-          <a:prstGeom prst="straightConnector1">
-            <a:avLst/>
-          </a:prstGeom>
-          <a:ln w="38100">
-            <a:solidFill>
-              <a:srgbClr val="FF0000"/>
-            </a:solidFill>
-            <a:tailEnd type="triangle"/>
-          </a:ln>
-        </p:spPr>
-        <p:style>
-          <a:lnRef idx="1">
-            <a:schemeClr val="accent1"/>
-          </a:lnRef>
-          <a:fillRef idx="0">
-            <a:schemeClr val="accent1"/>
-          </a:fillRef>
-          <a:effectRef idx="0">
-            <a:schemeClr val="accent1"/>
-          </a:effectRef>
-          <a:fontRef idx="minor">
-            <a:schemeClr val="tx1"/>
-          </a:fontRef>
-        </p:style>
-      </p:cxnSp>
-      <p:sp>
-        <p:nvSpPr>
-          <p:cNvPr id="5" name="TextBox 4"/>
-          <p:cNvSpPr txBox="1"/>
-          <p:nvPr/>
-        </p:nvSpPr>
-        <p:spPr>
-          <a:xfrm flipH="1">
-            <a:off x="2743200" y="4117459"/>
-            <a:ext cx="7696200" cy="1200329"/>
-          </a:xfrm>
-          <a:prstGeom prst="rect">
-            <a:avLst/>
-          </a:prstGeom>
-          <a:solidFill>
-            <a:srgbClr val="02A9F7"/>
-          </a:solidFill>
-        </p:spPr>
-        <p:txBody>
-          <a:bodyPr wrap="square" rtlCol="0">
-            <a:spAutoFit/>
-          </a:bodyPr>
-          <a:lstStyle/>
-          <a:p>
-            <a:pPr lvl="1"/>
-            <a:r>
-              <a:rPr lang="en-US" sz="2400" dirty="0" smtClean="0"/>
-              <a:t>URLs:</a:t>
-            </a:r>
-            <a:endParaRPr lang="en-US" sz="2400" dirty="0"/>
-          </a:p>
-          <a:p>
-            <a:pPr lvl="2"/>
-            <a:r>
-              <a:rPr lang="en-US" sz="2400" dirty="0">
-                <a:solidFill>
-                  <a:schemeClr val="bg1"/>
-                </a:solidFill>
-              </a:rPr>
-              <a:t>https</a:t>
-            </a:r>
-            <a:r>
-              <a:rPr lang="en-US" sz="2400" dirty="0" smtClean="0">
-                <a:solidFill>
-                  <a:schemeClr val="bg1"/>
-                </a:solidFill>
-              </a:rPr>
-              <a:t>://www.googleapis.com/blogger/</a:t>
-            </a:r>
-            <a:r>
-              <a:rPr lang="en-US" sz="2400" b="1" u="sng" dirty="0" smtClean="0">
-                <a:solidFill>
-                  <a:schemeClr val="bg1"/>
-                </a:solidFill>
-              </a:rPr>
-              <a:t>v2</a:t>
-            </a:r>
-            <a:r>
-              <a:rPr lang="en-US" sz="2400" dirty="0" smtClean="0">
-                <a:solidFill>
-                  <a:schemeClr val="bg1"/>
-                </a:solidFill>
-              </a:rPr>
-              <a:t>/blogs/...</a:t>
-            </a:r>
-            <a:endParaRPr lang="en-US" sz="2400" dirty="0">
-              <a:solidFill>
-                <a:schemeClr val="bg1"/>
-              </a:solidFill>
-            </a:endParaRPr>
-          </a:p>
-          <a:p>
-            <a:pPr lvl="2"/>
-            <a:r>
-              <a:rPr lang="en-US" sz="2400" dirty="0" smtClean="0">
-                <a:solidFill>
-                  <a:schemeClr val="bg1"/>
-                </a:solidFill>
-              </a:rPr>
-              <a:t>https://www.googleapis.com/blogger/</a:t>
-            </a:r>
-            <a:r>
-              <a:rPr lang="en-US" sz="2400" b="1" u="sng" dirty="0" smtClean="0">
-                <a:solidFill>
-                  <a:schemeClr val="bg1"/>
-                </a:solidFill>
-              </a:rPr>
-              <a:t>v3</a:t>
-            </a:r>
-            <a:r>
-              <a:rPr lang="en-US" sz="2400" dirty="0" smtClean="0">
-                <a:solidFill>
-                  <a:schemeClr val="bg1"/>
-                </a:solidFill>
-              </a:rPr>
-              <a:t>/blogs</a:t>
-            </a:r>
-            <a:r>
-              <a:rPr lang="en-US" sz="2400" dirty="0">
-                <a:solidFill>
-                  <a:schemeClr val="bg1"/>
-                </a:solidFill>
-              </a:rPr>
-              <a:t>/...</a:t>
-            </a:r>
-          </a:p>
-        </p:txBody>
-      </p:sp>
-      <p:cxnSp>
-        <p:nvCxnSpPr>
-          <p:cNvPr id="10" name="Straight Arrow Connector 9"/>
-          <p:cNvCxnSpPr/>
-          <p:nvPr/>
-        </p:nvCxnSpPr>
-        <p:spPr>
-          <a:xfrm flipH="1">
-            <a:off x="1447800" y="4117459"/>
-            <a:ext cx="685800" cy="141309"/>
-          </a:xfrm>
-          <a:prstGeom prst="straightConnector1">
-            <a:avLst/>
-          </a:prstGeom>
-          <a:ln w="38100">
-            <a:solidFill>
-              <a:srgbClr val="FF0000"/>
-            </a:solidFill>
-            <a:tailEnd type="triangle"/>
-          </a:ln>
-        </p:spPr>
-        <p:style>
-          <a:lnRef idx="1">
-            <a:schemeClr val="accent1"/>
-          </a:lnRef>
-          <a:fillRef idx="0">
-            <a:schemeClr val="accent1"/>
-          </a:fillRef>
-          <a:effectRef idx="0">
-            <a:schemeClr val="accent1"/>
-          </a:effectRef>
-          <a:fontRef idx="minor">
-            <a:schemeClr val="tx1"/>
-          </a:fontRef>
-        </p:style>
-      </p:cxnSp>
-      <p:cxnSp>
-        <p:nvCxnSpPr>
-          <p:cNvPr id="8" name="Straight Arrow Connector 7"/>
-          <p:cNvCxnSpPr/>
-          <p:nvPr/>
-        </p:nvCxnSpPr>
-        <p:spPr>
-          <a:xfrm>
-            <a:off x="6324600" y="3905022"/>
-            <a:ext cx="0" cy="608457"/>
-          </a:xfrm>
-          <a:prstGeom prst="straightConnector1">
-            <a:avLst/>
-          </a:prstGeom>
-          <a:ln w="38100">
-            <a:solidFill>
-              <a:srgbClr val="FF0000"/>
-            </a:solidFill>
-            <a:tailEnd type="triangle"/>
-          </a:ln>
-        </p:spPr>
-        <p:style>
-          <a:lnRef idx="1">
-            <a:schemeClr val="accent1"/>
-          </a:lnRef>
-          <a:fillRef idx="0">
-            <a:schemeClr val="accent1"/>
-          </a:fillRef>
-          <a:effectRef idx="0">
-            <a:schemeClr val="accent1"/>
-          </a:effectRef>
-          <a:fontRef idx="minor">
-            <a:schemeClr val="tx1"/>
-          </a:fontRef>
-        </p:style>
-      </p:cxnSp>
-    </p:spTree>
-    <p:extLst>
-      <p:ext uri="{BB962C8B-B14F-4D97-AF65-F5344CB8AC3E}">
-        <p14:creationId xmlns:p14="http://schemas.microsoft.com/office/powerpoint/2010/main" val="4008367687"/>
-      </p:ext>
-    </p:extLst>
-  </p:cSld>
-  <p:clrMapOvr>
-    <a:masterClrMapping/>
-  </p:clrMapOvr>
-  <p:timing>
-    <p:tnLst>
-      <p:par>
-        <p:cTn id="1" dur="indefinite" restart="never" nodeType="tmRoot"/>
-      </p:par>
-    </p:tnLst>
-  </p:timing>
-</p:sld>
-</file>
-
-<file path=ppt/slides/slide8.xml><?xml version="1.0" encoding="utf-8"?>
-<p:sld xmlns:a="http://schemas.openxmlformats.org/drawingml/2006/main" xmlns:r="http://schemas.openxmlformats.org/officeDocument/2006/relationships" xmlns:p="http://schemas.openxmlformats.org/presentationml/2006/main" showMasterSp="0">
-  <p:cSld>
-    <p:spTree>
-      <p:nvGrpSpPr>
-        <p:cNvPr id="1" name=""/>
-        <p:cNvGrpSpPr/>
-        <p:nvPr/>
-      </p:nvGrpSpPr>
-      <p:grpSpPr>
-        <a:xfrm>
-          <a:off x="0" y="0"/>
-          <a:ext cx="0" cy="0"/>
-          <a:chOff x="0" y="0"/>
-          <a:chExt cx="0" cy="0"/>
-        </a:xfrm>
-      </p:grpSpPr>
-      <p:pic>
-        <p:nvPicPr>
-          <p:cNvPr id="4" name="Picture 3"/>
-          <p:cNvPicPr>
-            <a:picLocks noChangeAspect="1"/>
-          </p:cNvPicPr>
-          <p:nvPr/>
-        </p:nvPicPr>
-        <p:blipFill>
-          <a:blip r:embed="rId3">
-            <a:extLst>
-              <a:ext uri="{28A0092B-C50C-407E-A947-70E740481C1C}">
-                <a14:useLocalDpi xmlns:a14="http://schemas.microsoft.com/office/drawing/2010/main" val="0"/>
-              </a:ext>
-            </a:extLst>
-          </a:blip>
-          <a:stretch>
-            <a:fillRect/>
-          </a:stretch>
-        </p:blipFill>
-        <p:spPr>
-          <a:xfrm>
-            <a:off x="321150" y="1447800"/>
-            <a:ext cx="11870850" cy="5410200"/>
-          </a:xfrm>
-          <a:prstGeom prst="rect">
-            <a:avLst/>
-          </a:prstGeom>
-        </p:spPr>
-      </p:pic>
-      <p:sp>
-        <p:nvSpPr>
-          <p:cNvPr id="5" name="TextBox 4"/>
-          <p:cNvSpPr txBox="1"/>
-          <p:nvPr/>
-        </p:nvSpPr>
-        <p:spPr>
-          <a:xfrm flipH="1">
-            <a:off x="0" y="838200"/>
-            <a:ext cx="7848600" cy="609600"/>
-          </a:xfrm>
-          <a:prstGeom prst="rect">
-            <a:avLst/>
-          </a:prstGeom>
-          <a:solidFill>
-            <a:srgbClr val="02A9F7"/>
-          </a:solidFill>
-        </p:spPr>
-        <p:txBody>
-          <a:bodyPr wrap="none" lIns="0" tIns="0" rIns="91440" bIns="0" rtlCol="0" anchor="ctr">
-            <a:noAutofit/>
-          </a:bodyPr>
-          <a:lstStyle/>
-          <a:p>
-            <a:pPr lvl="2" algn="r"/>
-            <a:r>
-              <a:rPr lang="en-US" sz="2200" dirty="0" smtClean="0"/>
-              <a:t>Accepted </a:t>
-            </a:r>
-            <a:r>
-              <a:rPr lang="en-US" sz="2200" dirty="0"/>
-              <a:t>header:</a:t>
-            </a:r>
-            <a:r>
-              <a:rPr lang="en-US" sz="2400" dirty="0"/>
-              <a:t> </a:t>
-            </a:r>
-            <a:r>
-              <a:rPr lang="en-US" sz="2400" dirty="0" smtClean="0">
-                <a:solidFill>
-                  <a:schemeClr val="bg1"/>
-                </a:solidFill>
-              </a:rPr>
-              <a:t>Accept</a:t>
-            </a:r>
-            <a:r>
-              <a:rPr lang="en-US" sz="2400" dirty="0">
-                <a:solidFill>
-                  <a:schemeClr val="bg1"/>
-                </a:solidFill>
-              </a:rPr>
-              <a:t>: </a:t>
-            </a:r>
-            <a:r>
-              <a:rPr lang="en-US" sz="2400" dirty="0" smtClean="0">
-                <a:solidFill>
-                  <a:schemeClr val="bg1"/>
-                </a:solidFill>
-              </a:rPr>
-              <a:t>application/vnd.github.v3+json</a:t>
-            </a:r>
-          </a:p>
-        </p:txBody>
-      </p:sp>
-      <p:sp>
-        <p:nvSpPr>
-          <p:cNvPr id="6" name="TextBox 5"/>
-          <p:cNvSpPr txBox="1"/>
-          <p:nvPr/>
-        </p:nvSpPr>
-        <p:spPr>
-          <a:xfrm>
-            <a:off x="0" y="0"/>
-            <a:ext cx="1981200" cy="461665"/>
-          </a:xfrm>
-          <a:prstGeom prst="rect">
-            <a:avLst/>
-          </a:prstGeom>
-          <a:noFill/>
-        </p:spPr>
-        <p:txBody>
-          <a:bodyPr wrap="square" rtlCol="0">
-            <a:spAutoFit/>
-          </a:bodyPr>
-          <a:lstStyle/>
-          <a:p>
-            <a:r>
-              <a:rPr lang="en-US" sz="2400" i="1" dirty="0" smtClean="0">
-                <a:solidFill>
-                  <a:srgbClr val="02A9F7"/>
-                </a:solidFill>
-              </a:rPr>
-              <a:t>Compatible</a:t>
-            </a:r>
-            <a:endParaRPr lang="en-US" sz="2400" i="1" dirty="0">
-              <a:solidFill>
-                <a:srgbClr val="02A9F7"/>
-              </a:solidFill>
-            </a:endParaRPr>
-          </a:p>
-        </p:txBody>
-      </p:sp>
-      <p:sp>
-        <p:nvSpPr>
-          <p:cNvPr id="7" name="TextBox 6"/>
-          <p:cNvSpPr txBox="1"/>
-          <p:nvPr/>
-        </p:nvSpPr>
-        <p:spPr>
-          <a:xfrm>
-            <a:off x="7315200" y="5334001"/>
-            <a:ext cx="4876800" cy="1524000"/>
-          </a:xfrm>
-          <a:prstGeom prst="rect">
-            <a:avLst/>
-          </a:prstGeom>
-          <a:solidFill>
-            <a:schemeClr val="accent5">
-              <a:lumMod val="20000"/>
-              <a:lumOff val="80000"/>
-            </a:schemeClr>
-          </a:solidFill>
-        </p:spPr>
-        <p:txBody>
-          <a:bodyPr wrap="square" rtlCol="0">
-            <a:noAutofit/>
-          </a:bodyPr>
-          <a:lstStyle>
-            <a:defPPr>
-              <a:defRPr lang="en-US"/>
-            </a:defPPr>
-            <a:lvl1pPr>
-              <a:defRPr sz="2400" i="1">
-                <a:solidFill>
-                  <a:srgbClr val="FFC000"/>
-                </a:solidFill>
-              </a:defRPr>
-            </a:lvl1pPr>
-          </a:lstStyle>
-          <a:p>
-            <a:r>
-              <a:rPr lang="en-US" dirty="0"/>
-              <a:t>Consumer’s </a:t>
-            </a:r>
-            <a:r>
-              <a:rPr lang="en-US" dirty="0" smtClean="0"/>
-              <a:t>effort</a:t>
-            </a:r>
-            <a:br>
-              <a:rPr lang="en-US" dirty="0" smtClean="0"/>
-            </a:br>
-            <a:r>
-              <a:rPr lang="en-US" dirty="0" smtClean="0"/>
-              <a:t>Not calling directly from browser</a:t>
-            </a:r>
-          </a:p>
-          <a:p>
-            <a:r>
-              <a:rPr lang="en-US" dirty="0" smtClean="0"/>
-              <a:t>Not easy to test</a:t>
-            </a:r>
-            <a:endParaRPr lang="en-US" dirty="0"/>
-          </a:p>
-        </p:txBody>
-      </p:sp>
-    </p:spTree>
-    <p:extLst>
-      <p:ext uri="{BB962C8B-B14F-4D97-AF65-F5344CB8AC3E}">
-        <p14:creationId xmlns:p14="http://schemas.microsoft.com/office/powerpoint/2010/main" val="1762322814"/>
-      </p:ext>
-    </p:extLst>
-  </p:cSld>
-  <p:clrMapOvr>
-    <a:masterClrMapping/>
-  </p:clrMapOvr>
-  <p:timing>
-    <p:tnLst>
-      <p:par>
-        <p:cTn id="1" dur="indefinite" restart="never" nodeType="tmRoot"/>
-      </p:par>
-    </p:tnLst>
-  </p:timing>
-</p:sld>
-</file>
-
-<file path=ppt/slides/slide9.xml><?xml version="1.0" encoding="utf-8"?>
-<p:sld xmlns:a="http://schemas.openxmlformats.org/drawingml/2006/main" xmlns:r="http://schemas.openxmlformats.org/officeDocument/2006/relationships" xmlns:p="http://schemas.openxmlformats.org/presentationml/2006/main" showMasterSp="0">
-  <p:cSld>
-    <p:spTree>
-      <p:nvGrpSpPr>
-        <p:cNvPr id="1" name=""/>
-        <p:cNvGrpSpPr/>
-        <p:nvPr/>
-      </p:nvGrpSpPr>
-      <p:grpSpPr>
-        <a:xfrm>
-          <a:off x="0" y="0"/>
-          <a:ext cx="0" cy="0"/>
-          <a:chOff x="0" y="0"/>
-          <a:chExt cx="0" cy="0"/>
-        </a:xfrm>
-      </p:grpSpPr>
-      <p:pic>
-        <p:nvPicPr>
-          <p:cNvPr id="4" name="Picture 3"/>
-          <p:cNvPicPr>
-            <a:picLocks noChangeAspect="1"/>
-          </p:cNvPicPr>
-          <p:nvPr/>
-        </p:nvPicPr>
-        <p:blipFill rotWithShape="1">
-          <a:blip r:embed="rId3">
-            <a:extLst>
-              <a:ext uri="{28A0092B-C50C-407E-A947-70E740481C1C}">
-                <a14:useLocalDpi xmlns:a14="http://schemas.microsoft.com/office/drawing/2010/main" val="0"/>
-              </a:ext>
-            </a:extLst>
-          </a:blip>
-          <a:srcRect r="772"/>
-          <a:stretch/>
-        </p:blipFill>
-        <p:spPr>
-          <a:xfrm>
-            <a:off x="0" y="1447800"/>
-            <a:ext cx="12192000" cy="5169514"/>
-          </a:xfrm>
-          <a:prstGeom prst="rect">
-            <a:avLst/>
-          </a:prstGeom>
-        </p:spPr>
-      </p:pic>
-      <p:sp>
-        <p:nvSpPr>
-          <p:cNvPr id="6" name="TextBox 5"/>
-          <p:cNvSpPr txBox="1"/>
-          <p:nvPr/>
-        </p:nvSpPr>
-        <p:spPr>
-          <a:xfrm flipH="1">
-            <a:off x="0" y="642068"/>
-            <a:ext cx="4114800" cy="430887"/>
-          </a:xfrm>
-          <a:prstGeom prst="rect">
-            <a:avLst/>
-          </a:prstGeom>
-          <a:solidFill>
-            <a:srgbClr val="02A9F7"/>
-          </a:solidFill>
-        </p:spPr>
-        <p:txBody>
-          <a:bodyPr wrap="square" rtlCol="0">
-            <a:spAutoFit/>
-          </a:bodyPr>
-          <a:lstStyle/>
-          <a:p>
-            <a:pPr lvl="2"/>
-            <a:r>
-              <a:rPr lang="en-US" sz="2200" dirty="0"/>
-              <a:t>Continuous versioning</a:t>
-            </a:r>
-          </a:p>
-        </p:txBody>
-      </p:sp>
-      <p:sp>
-        <p:nvSpPr>
-          <p:cNvPr id="5" name="TextBox 4"/>
-          <p:cNvSpPr txBox="1"/>
-          <p:nvPr/>
-        </p:nvSpPr>
-        <p:spPr>
-          <a:xfrm>
-            <a:off x="0" y="0"/>
-            <a:ext cx="1981200" cy="461665"/>
-          </a:xfrm>
-          <a:prstGeom prst="rect">
-            <a:avLst/>
-          </a:prstGeom>
-          <a:noFill/>
-        </p:spPr>
-        <p:txBody>
-          <a:bodyPr wrap="square" rtlCol="0">
-            <a:spAutoFit/>
-          </a:bodyPr>
-          <a:lstStyle/>
-          <a:p>
-            <a:r>
-              <a:rPr lang="en-US" sz="2400" i="1" dirty="0" smtClean="0">
-                <a:solidFill>
-                  <a:srgbClr val="02A9F7"/>
-                </a:solidFill>
-              </a:rPr>
-              <a:t>Compatible</a:t>
-            </a:r>
-            <a:endParaRPr lang="en-US" sz="2400" i="1" dirty="0">
-              <a:solidFill>
-                <a:srgbClr val="02A9F7"/>
-              </a:solidFill>
-            </a:endParaRPr>
-          </a:p>
-        </p:txBody>
-      </p:sp>
-      <p:sp>
-        <p:nvSpPr>
-          <p:cNvPr id="2" name="TextBox 1"/>
-          <p:cNvSpPr txBox="1"/>
-          <p:nvPr/>
-        </p:nvSpPr>
-        <p:spPr>
-          <a:xfrm>
-            <a:off x="8305801" y="4953000"/>
-            <a:ext cx="3886200" cy="842665"/>
-          </a:xfrm>
-          <a:prstGeom prst="rect">
-            <a:avLst/>
-          </a:prstGeom>
-          <a:solidFill>
-            <a:schemeClr val="accent5">
-              <a:lumMod val="20000"/>
-              <a:lumOff val="80000"/>
-            </a:schemeClr>
-          </a:solidFill>
-        </p:spPr>
-        <p:txBody>
-          <a:bodyPr wrap="square" rtlCol="0" anchor="ctr">
-            <a:noAutofit/>
-          </a:bodyPr>
-          <a:lstStyle/>
-          <a:p>
-            <a:r>
-              <a:rPr lang="en-US" sz="2400" i="1" dirty="0">
-                <a:solidFill>
-                  <a:srgbClr val="FFC000"/>
-                </a:solidFill>
-              </a:rPr>
-              <a:t>Engineering</a:t>
-            </a:r>
-            <a:r>
-              <a:rPr lang="en-US" dirty="0" smtClean="0"/>
-              <a:t> </a:t>
-            </a:r>
-            <a:r>
-              <a:rPr lang="en-US" sz="2400" i="1" dirty="0" smtClean="0">
-                <a:solidFill>
-                  <a:srgbClr val="FFC000"/>
-                </a:solidFill>
-              </a:rPr>
-              <a:t>awareness</a:t>
-            </a:r>
-            <a:endParaRPr lang="en-US" sz="2400" i="1" dirty="0">
-              <a:solidFill>
-                <a:srgbClr val="FFC000"/>
-              </a:solidFill>
-            </a:endParaRPr>
-          </a:p>
-        </p:txBody>
-      </p:sp>
-    </p:spTree>
-    <p:extLst>
-      <p:ext uri="{BB962C8B-B14F-4D97-AF65-F5344CB8AC3E}">
-        <p14:creationId xmlns:p14="http://schemas.microsoft.com/office/powerpoint/2010/main" val="29991770"/>
-      </p:ext>
-    </p:extLst>
-  </p:cSld>
-  <p:clrMapOvr>
-    <a:masterClrMapping/>
-  </p:clrMapOvr>
-  <p:timing>
-    <p:tnLst>
-      <p:par>
-        <p:cTn id="1" dur="indefinite" restart="never" nodeType="tmRoot"/>
-      </p:par>
-    </p:tnLst>
   </p:timing>
 </p:sld>
 </file>
